--- a/Windows/Figures/Editing_Figure3.pptx
+++ b/Windows/Figures/Editing_Figure3.pptx
@@ -2,19 +2,19 @@
 <file path=ppt/presentation.xml><?xml version="1.0" encoding="utf-8"?>
 <p:presentation xmlns:a="http://schemas.openxmlformats.org/drawingml/2006/main" xmlns:r="http://schemas.openxmlformats.org/officeDocument/2006/relationships" xmlns:p="http://schemas.openxmlformats.org/presentationml/2006/main" saveSubsetFonts="1">
   <p:sldMasterIdLst>
-    <p:sldMasterId id="2147483672" r:id="rId1"/>
+    <p:sldMasterId id="2147483684" r:id="rId1"/>
   </p:sldMasterIdLst>
   <p:sldIdLst>
     <p:sldId id="256" r:id="rId2"/>
   </p:sldIdLst>
-  <p:sldSz cx="4319588" cy="8640763"/>
+  <p:sldSz cx="10288588" cy="8999538"/>
   <p:notesSz cx="6858000" cy="9144000"/>
   <p:defaultTextStyle>
     <a:defPPr>
       <a:defRPr lang="es-MX"/>
     </a:defPPr>
-    <a:lvl1pPr marL="0" algn="l" defTabSz="622066" rtl="0" eaLnBrk="1" latinLnBrk="0" hangingPunct="1">
-      <a:defRPr sz="1225" kern="1200">
+    <a:lvl1pPr marL="0" algn="l" defTabSz="914400" rtl="0" eaLnBrk="1" latinLnBrk="0" hangingPunct="1">
+      <a:defRPr sz="1800" kern="1200">
         <a:solidFill>
           <a:schemeClr val="tx1"/>
         </a:solidFill>
@@ -23,8 +23,8 @@
         <a:cs typeface="+mn-cs"/>
       </a:defRPr>
     </a:lvl1pPr>
-    <a:lvl2pPr marL="311033" algn="l" defTabSz="622066" rtl="0" eaLnBrk="1" latinLnBrk="0" hangingPunct="1">
-      <a:defRPr sz="1225" kern="1200">
+    <a:lvl2pPr marL="457200" algn="l" defTabSz="914400" rtl="0" eaLnBrk="1" latinLnBrk="0" hangingPunct="1">
+      <a:defRPr sz="1800" kern="1200">
         <a:solidFill>
           <a:schemeClr val="tx1"/>
         </a:solidFill>
@@ -33,8 +33,8 @@
         <a:cs typeface="+mn-cs"/>
       </a:defRPr>
     </a:lvl2pPr>
-    <a:lvl3pPr marL="622066" algn="l" defTabSz="622066" rtl="0" eaLnBrk="1" latinLnBrk="0" hangingPunct="1">
-      <a:defRPr sz="1225" kern="1200">
+    <a:lvl3pPr marL="914400" algn="l" defTabSz="914400" rtl="0" eaLnBrk="1" latinLnBrk="0" hangingPunct="1">
+      <a:defRPr sz="1800" kern="1200">
         <a:solidFill>
           <a:schemeClr val="tx1"/>
         </a:solidFill>
@@ -43,8 +43,8 @@
         <a:cs typeface="+mn-cs"/>
       </a:defRPr>
     </a:lvl3pPr>
-    <a:lvl4pPr marL="933099" algn="l" defTabSz="622066" rtl="0" eaLnBrk="1" latinLnBrk="0" hangingPunct="1">
-      <a:defRPr sz="1225" kern="1200">
+    <a:lvl4pPr marL="1371600" algn="l" defTabSz="914400" rtl="0" eaLnBrk="1" latinLnBrk="0" hangingPunct="1">
+      <a:defRPr sz="1800" kern="1200">
         <a:solidFill>
           <a:schemeClr val="tx1"/>
         </a:solidFill>
@@ -53,8 +53,8 @@
         <a:cs typeface="+mn-cs"/>
       </a:defRPr>
     </a:lvl4pPr>
-    <a:lvl5pPr marL="1244133" algn="l" defTabSz="622066" rtl="0" eaLnBrk="1" latinLnBrk="0" hangingPunct="1">
-      <a:defRPr sz="1225" kern="1200">
+    <a:lvl5pPr marL="1828800" algn="l" defTabSz="914400" rtl="0" eaLnBrk="1" latinLnBrk="0" hangingPunct="1">
+      <a:defRPr sz="1800" kern="1200">
         <a:solidFill>
           <a:schemeClr val="tx1"/>
         </a:solidFill>
@@ -63,8 +63,8 @@
         <a:cs typeface="+mn-cs"/>
       </a:defRPr>
     </a:lvl5pPr>
-    <a:lvl6pPr marL="1555166" algn="l" defTabSz="622066" rtl="0" eaLnBrk="1" latinLnBrk="0" hangingPunct="1">
-      <a:defRPr sz="1225" kern="1200">
+    <a:lvl6pPr marL="2286000" algn="l" defTabSz="914400" rtl="0" eaLnBrk="1" latinLnBrk="0" hangingPunct="1">
+      <a:defRPr sz="1800" kern="1200">
         <a:solidFill>
           <a:schemeClr val="tx1"/>
         </a:solidFill>
@@ -73,8 +73,8 @@
         <a:cs typeface="+mn-cs"/>
       </a:defRPr>
     </a:lvl6pPr>
-    <a:lvl7pPr marL="1866199" algn="l" defTabSz="622066" rtl="0" eaLnBrk="1" latinLnBrk="0" hangingPunct="1">
-      <a:defRPr sz="1225" kern="1200">
+    <a:lvl7pPr marL="2743200" algn="l" defTabSz="914400" rtl="0" eaLnBrk="1" latinLnBrk="0" hangingPunct="1">
+      <a:defRPr sz="1800" kern="1200">
         <a:solidFill>
           <a:schemeClr val="tx1"/>
         </a:solidFill>
@@ -83,8 +83,8 @@
         <a:cs typeface="+mn-cs"/>
       </a:defRPr>
     </a:lvl7pPr>
-    <a:lvl8pPr marL="2177232" algn="l" defTabSz="622066" rtl="0" eaLnBrk="1" latinLnBrk="0" hangingPunct="1">
-      <a:defRPr sz="1225" kern="1200">
+    <a:lvl8pPr marL="3200400" algn="l" defTabSz="914400" rtl="0" eaLnBrk="1" latinLnBrk="0" hangingPunct="1">
+      <a:defRPr sz="1800" kern="1200">
         <a:solidFill>
           <a:schemeClr val="tx1"/>
         </a:solidFill>
@@ -93,8 +93,8 @@
         <a:cs typeface="+mn-cs"/>
       </a:defRPr>
     </a:lvl8pPr>
-    <a:lvl9pPr marL="2488265" algn="l" defTabSz="622066" rtl="0" eaLnBrk="1" latinLnBrk="0" hangingPunct="1">
-      <a:defRPr sz="1225" kern="1200">
+    <a:lvl9pPr marL="3657600" algn="l" defTabSz="914400" rtl="0" eaLnBrk="1" latinLnBrk="0" hangingPunct="1">
+      <a:defRPr sz="1800" kern="1200">
         <a:solidFill>
           <a:schemeClr val="tx1"/>
         </a:solidFill>
@@ -141,15 +141,15 @@
         </p:nvSpPr>
         <p:spPr>
           <a:xfrm>
-            <a:off x="323969" y="1414125"/>
-            <a:ext cx="3671650" cy="3008266"/>
+            <a:off x="771644" y="1472842"/>
+            <a:ext cx="8745300" cy="3133172"/>
           </a:xfrm>
         </p:spPr>
         <p:txBody>
           <a:bodyPr anchor="b"/>
           <a:lstStyle>
             <a:lvl1pPr algn="ctr">
-              <a:defRPr sz="2834"/>
+              <a:defRPr sz="6751"/>
             </a:lvl1pPr>
           </a:lstStyle>
           <a:p>
@@ -173,8 +173,8 @@
         </p:nvSpPr>
         <p:spPr>
           <a:xfrm>
-            <a:off x="539949" y="4538401"/>
-            <a:ext cx="3239691" cy="2086184"/>
+            <a:off x="1286074" y="4726842"/>
+            <a:ext cx="7716441" cy="2172804"/>
           </a:xfrm>
         </p:spPr>
         <p:txBody>
@@ -182,39 +182,39 @@
           <a:lstStyle>
             <a:lvl1pPr marL="0" indent="0" algn="ctr">
               <a:buNone/>
-              <a:defRPr sz="1134"/>
+              <a:defRPr sz="2700"/>
             </a:lvl1pPr>
-            <a:lvl2pPr marL="215981" indent="0" algn="ctr">
-              <a:buNone/>
-              <a:defRPr sz="945"/>
+            <a:lvl2pPr marL="514441" indent="0" algn="ctr">
+              <a:buNone/>
+              <a:defRPr sz="2250"/>
             </a:lvl2pPr>
-            <a:lvl3pPr marL="431963" indent="0" algn="ctr">
-              <a:buNone/>
-              <a:defRPr sz="850"/>
+            <a:lvl3pPr marL="1028883" indent="0" algn="ctr">
+              <a:buNone/>
+              <a:defRPr sz="2025"/>
             </a:lvl3pPr>
-            <a:lvl4pPr marL="647944" indent="0" algn="ctr">
-              <a:buNone/>
-              <a:defRPr sz="756"/>
+            <a:lvl4pPr marL="1543324" indent="0" algn="ctr">
+              <a:buNone/>
+              <a:defRPr sz="1800"/>
             </a:lvl4pPr>
-            <a:lvl5pPr marL="863925" indent="0" algn="ctr">
-              <a:buNone/>
-              <a:defRPr sz="756"/>
+            <a:lvl5pPr marL="2057766" indent="0" algn="ctr">
+              <a:buNone/>
+              <a:defRPr sz="1800"/>
             </a:lvl5pPr>
-            <a:lvl6pPr marL="1079906" indent="0" algn="ctr">
-              <a:buNone/>
-              <a:defRPr sz="756"/>
+            <a:lvl6pPr marL="2572207" indent="0" algn="ctr">
+              <a:buNone/>
+              <a:defRPr sz="1800"/>
             </a:lvl6pPr>
-            <a:lvl7pPr marL="1295888" indent="0" algn="ctr">
-              <a:buNone/>
-              <a:defRPr sz="756"/>
+            <a:lvl7pPr marL="3086649" indent="0" algn="ctr">
+              <a:buNone/>
+              <a:defRPr sz="1800"/>
             </a:lvl7pPr>
-            <a:lvl8pPr marL="1511869" indent="0" algn="ctr">
-              <a:buNone/>
-              <a:defRPr sz="756"/>
+            <a:lvl8pPr marL="3601090" indent="0" algn="ctr">
+              <a:buNone/>
+              <a:defRPr sz="1800"/>
             </a:lvl8pPr>
-            <a:lvl9pPr marL="1727850" indent="0" algn="ctr">
-              <a:buNone/>
-              <a:defRPr sz="756"/>
+            <a:lvl9pPr marL="4115532" indent="0" algn="ctr">
+              <a:buNone/>
+              <a:defRPr sz="1800"/>
             </a:lvl9pPr>
           </a:lstStyle>
           <a:p>
@@ -241,9 +241,9 @@
           <a:bodyPr/>
           <a:lstStyle/>
           <a:p>
-            <a:fld id="{A4F7A466-0B4C-4C0F-803B-76CC4E5144BD}" type="datetimeFigureOut">
+            <a:fld id="{1E0DF464-35CB-4278-A862-D2CEABA7376D}" type="datetimeFigureOut">
               <a:rPr lang="es-MX" smtClean="0"/>
-              <a:t>27/05/2022</a:t>
+              <a:t>28/05/2022</a:t>
             </a:fld>
             <a:endParaRPr lang="es-MX"/>
           </a:p>
@@ -283,7 +283,7 @@
           <a:bodyPr/>
           <a:lstStyle/>
           <a:p>
-            <a:fld id="{075FE36A-1376-4E84-B420-5CF5C5440797}" type="slidenum">
+            <a:fld id="{562FDED8-6C96-4E2A-A426-5EC15C087259}" type="slidenum">
               <a:rPr lang="es-MX" smtClean="0"/>
               <a:t>‹Nº›</a:t>
             </a:fld>
@@ -294,7 +294,7 @@
     </p:spTree>
     <p:extLst>
       <p:ext uri="{BB962C8B-B14F-4D97-AF65-F5344CB8AC3E}">
-        <p14:creationId xmlns:p14="http://schemas.microsoft.com/office/powerpoint/2010/main" val="2536459419"/>
+        <p14:creationId xmlns:p14="http://schemas.microsoft.com/office/powerpoint/2010/main" val="3038035353"/>
       </p:ext>
     </p:extLst>
   </p:cSld>
@@ -411,9 +411,9 @@
           <a:bodyPr/>
           <a:lstStyle/>
           <a:p>
-            <a:fld id="{A4F7A466-0B4C-4C0F-803B-76CC4E5144BD}" type="datetimeFigureOut">
+            <a:fld id="{1E0DF464-35CB-4278-A862-D2CEABA7376D}" type="datetimeFigureOut">
               <a:rPr lang="es-MX" smtClean="0"/>
-              <a:t>27/05/2022</a:t>
+              <a:t>28/05/2022</a:t>
             </a:fld>
             <a:endParaRPr lang="es-MX"/>
           </a:p>
@@ -453,7 +453,7 @@
           <a:bodyPr/>
           <a:lstStyle/>
           <a:p>
-            <a:fld id="{075FE36A-1376-4E84-B420-5CF5C5440797}" type="slidenum">
+            <a:fld id="{562FDED8-6C96-4E2A-A426-5EC15C087259}" type="slidenum">
               <a:rPr lang="es-MX" smtClean="0"/>
               <a:t>‹Nº›</a:t>
             </a:fld>
@@ -464,7 +464,7 @@
     </p:spTree>
     <p:extLst>
       <p:ext uri="{BB962C8B-B14F-4D97-AF65-F5344CB8AC3E}">
-        <p14:creationId xmlns:p14="http://schemas.microsoft.com/office/powerpoint/2010/main" val="3314025814"/>
+        <p14:creationId xmlns:p14="http://schemas.microsoft.com/office/powerpoint/2010/main" val="4113770526"/>
       </p:ext>
     </p:extLst>
   </p:cSld>
@@ -503,8 +503,8 @@
         </p:nvSpPr>
         <p:spPr>
           <a:xfrm>
-            <a:off x="3091205" y="460041"/>
-            <a:ext cx="931411" cy="7322647"/>
+            <a:off x="7362771" y="479142"/>
+            <a:ext cx="2218477" cy="7626692"/>
           </a:xfrm>
         </p:spPr>
         <p:txBody>
@@ -531,8 +531,8 @@
         </p:nvSpPr>
         <p:spPr>
           <a:xfrm>
-            <a:off x="296972" y="460041"/>
-            <a:ext cx="2740239" cy="7322647"/>
+            <a:off x="707341" y="479142"/>
+            <a:ext cx="6526823" cy="7626692"/>
           </a:xfrm>
         </p:spPr>
         <p:txBody>
@@ -591,9 +591,9 @@
           <a:bodyPr/>
           <a:lstStyle/>
           <a:p>
-            <a:fld id="{A4F7A466-0B4C-4C0F-803B-76CC4E5144BD}" type="datetimeFigureOut">
+            <a:fld id="{1E0DF464-35CB-4278-A862-D2CEABA7376D}" type="datetimeFigureOut">
               <a:rPr lang="es-MX" smtClean="0"/>
-              <a:t>27/05/2022</a:t>
+              <a:t>28/05/2022</a:t>
             </a:fld>
             <a:endParaRPr lang="es-MX"/>
           </a:p>
@@ -633,7 +633,7 @@
           <a:bodyPr/>
           <a:lstStyle/>
           <a:p>
-            <a:fld id="{075FE36A-1376-4E84-B420-5CF5C5440797}" type="slidenum">
+            <a:fld id="{562FDED8-6C96-4E2A-A426-5EC15C087259}" type="slidenum">
               <a:rPr lang="es-MX" smtClean="0"/>
               <a:t>‹Nº›</a:t>
             </a:fld>
@@ -644,7 +644,7 @@
     </p:spTree>
     <p:extLst>
       <p:ext uri="{BB962C8B-B14F-4D97-AF65-F5344CB8AC3E}">
-        <p14:creationId xmlns:p14="http://schemas.microsoft.com/office/powerpoint/2010/main" val="843307429"/>
+        <p14:creationId xmlns:p14="http://schemas.microsoft.com/office/powerpoint/2010/main" val="972069870"/>
       </p:ext>
     </p:extLst>
   </p:cSld>
@@ -761,9 +761,9 @@
           <a:bodyPr/>
           <a:lstStyle/>
           <a:p>
-            <a:fld id="{A4F7A466-0B4C-4C0F-803B-76CC4E5144BD}" type="datetimeFigureOut">
+            <a:fld id="{1E0DF464-35CB-4278-A862-D2CEABA7376D}" type="datetimeFigureOut">
               <a:rPr lang="es-MX" smtClean="0"/>
-              <a:t>27/05/2022</a:t>
+              <a:t>28/05/2022</a:t>
             </a:fld>
             <a:endParaRPr lang="es-MX"/>
           </a:p>
@@ -803,7 +803,7 @@
           <a:bodyPr/>
           <a:lstStyle/>
           <a:p>
-            <a:fld id="{075FE36A-1376-4E84-B420-5CF5C5440797}" type="slidenum">
+            <a:fld id="{562FDED8-6C96-4E2A-A426-5EC15C087259}" type="slidenum">
               <a:rPr lang="es-MX" smtClean="0"/>
               <a:t>‹Nº›</a:t>
             </a:fld>
@@ -814,7 +814,7 @@
     </p:spTree>
     <p:extLst>
       <p:ext uri="{BB962C8B-B14F-4D97-AF65-F5344CB8AC3E}">
-        <p14:creationId xmlns:p14="http://schemas.microsoft.com/office/powerpoint/2010/main" val="2116710685"/>
+        <p14:creationId xmlns:p14="http://schemas.microsoft.com/office/powerpoint/2010/main" val="1182579806"/>
       </p:ext>
     </p:extLst>
   </p:cSld>
@@ -853,15 +853,15 @@
         </p:nvSpPr>
         <p:spPr>
           <a:xfrm>
-            <a:off x="294722" y="2154193"/>
-            <a:ext cx="3725645" cy="3594317"/>
+            <a:off x="701982" y="2243638"/>
+            <a:ext cx="8873907" cy="3743557"/>
           </a:xfrm>
         </p:spPr>
         <p:txBody>
           <a:bodyPr anchor="b"/>
           <a:lstStyle>
             <a:lvl1pPr>
-              <a:defRPr sz="2834"/>
+              <a:defRPr sz="6751"/>
             </a:lvl1pPr>
           </a:lstStyle>
           <a:p>
@@ -885,8 +885,8 @@
         </p:nvSpPr>
         <p:spPr>
           <a:xfrm>
-            <a:off x="294722" y="5782513"/>
-            <a:ext cx="3725645" cy="1890166"/>
+            <a:off x="701982" y="6022610"/>
+            <a:ext cx="8873907" cy="1968648"/>
           </a:xfrm>
         </p:spPr>
         <p:txBody>
@@ -894,15 +894,15 @@
           <a:lstStyle>
             <a:lvl1pPr marL="0" indent="0">
               <a:buNone/>
-              <a:defRPr sz="1134">
+              <a:defRPr sz="2700">
                 <a:solidFill>
                   <a:schemeClr val="tx1"/>
                 </a:solidFill>
               </a:defRPr>
             </a:lvl1pPr>
-            <a:lvl2pPr marL="215981" indent="0">
-              <a:buNone/>
-              <a:defRPr sz="945">
+            <a:lvl2pPr marL="514441" indent="0">
+              <a:buNone/>
+              <a:defRPr sz="2250">
                 <a:solidFill>
                   <a:schemeClr val="tx1">
                     <a:tint val="75000"/>
@@ -910,9 +910,9 @@
                 </a:solidFill>
               </a:defRPr>
             </a:lvl2pPr>
-            <a:lvl3pPr marL="431963" indent="0">
-              <a:buNone/>
-              <a:defRPr sz="850">
+            <a:lvl3pPr marL="1028883" indent="0">
+              <a:buNone/>
+              <a:defRPr sz="2025">
                 <a:solidFill>
                   <a:schemeClr val="tx1">
                     <a:tint val="75000"/>
@@ -920,9 +920,9 @@
                 </a:solidFill>
               </a:defRPr>
             </a:lvl3pPr>
-            <a:lvl4pPr marL="647944" indent="0">
-              <a:buNone/>
-              <a:defRPr sz="756">
+            <a:lvl4pPr marL="1543324" indent="0">
+              <a:buNone/>
+              <a:defRPr sz="1800">
                 <a:solidFill>
                   <a:schemeClr val="tx1">
                     <a:tint val="75000"/>
@@ -930,9 +930,9 @@
                 </a:solidFill>
               </a:defRPr>
             </a:lvl4pPr>
-            <a:lvl5pPr marL="863925" indent="0">
-              <a:buNone/>
-              <a:defRPr sz="756">
+            <a:lvl5pPr marL="2057766" indent="0">
+              <a:buNone/>
+              <a:defRPr sz="1800">
                 <a:solidFill>
                   <a:schemeClr val="tx1">
                     <a:tint val="75000"/>
@@ -940,9 +940,9 @@
                 </a:solidFill>
               </a:defRPr>
             </a:lvl5pPr>
-            <a:lvl6pPr marL="1079906" indent="0">
-              <a:buNone/>
-              <a:defRPr sz="756">
+            <a:lvl6pPr marL="2572207" indent="0">
+              <a:buNone/>
+              <a:defRPr sz="1800">
                 <a:solidFill>
                   <a:schemeClr val="tx1">
                     <a:tint val="75000"/>
@@ -950,9 +950,9 @@
                 </a:solidFill>
               </a:defRPr>
             </a:lvl6pPr>
-            <a:lvl7pPr marL="1295888" indent="0">
-              <a:buNone/>
-              <a:defRPr sz="756">
+            <a:lvl7pPr marL="3086649" indent="0">
+              <a:buNone/>
+              <a:defRPr sz="1800">
                 <a:solidFill>
                   <a:schemeClr val="tx1">
                     <a:tint val="75000"/>
@@ -960,9 +960,9 @@
                 </a:solidFill>
               </a:defRPr>
             </a:lvl7pPr>
-            <a:lvl8pPr marL="1511869" indent="0">
-              <a:buNone/>
-              <a:defRPr sz="756">
+            <a:lvl8pPr marL="3601090" indent="0">
+              <a:buNone/>
+              <a:defRPr sz="1800">
                 <a:solidFill>
                   <a:schemeClr val="tx1">
                     <a:tint val="75000"/>
@@ -970,9 +970,9 @@
                 </a:solidFill>
               </a:defRPr>
             </a:lvl8pPr>
-            <a:lvl9pPr marL="1727850" indent="0">
-              <a:buNone/>
-              <a:defRPr sz="756">
+            <a:lvl9pPr marL="4115532" indent="0">
+              <a:buNone/>
+              <a:defRPr sz="1800">
                 <a:solidFill>
                   <a:schemeClr val="tx1">
                     <a:tint val="75000"/>
@@ -1005,9 +1005,9 @@
           <a:bodyPr/>
           <a:lstStyle/>
           <a:p>
-            <a:fld id="{A4F7A466-0B4C-4C0F-803B-76CC4E5144BD}" type="datetimeFigureOut">
+            <a:fld id="{1E0DF464-35CB-4278-A862-D2CEABA7376D}" type="datetimeFigureOut">
               <a:rPr lang="es-MX" smtClean="0"/>
-              <a:t>27/05/2022</a:t>
+              <a:t>28/05/2022</a:t>
             </a:fld>
             <a:endParaRPr lang="es-MX"/>
           </a:p>
@@ -1047,7 +1047,7 @@
           <a:bodyPr/>
           <a:lstStyle/>
           <a:p>
-            <a:fld id="{075FE36A-1376-4E84-B420-5CF5C5440797}" type="slidenum">
+            <a:fld id="{562FDED8-6C96-4E2A-A426-5EC15C087259}" type="slidenum">
               <a:rPr lang="es-MX" smtClean="0"/>
               <a:t>‹Nº›</a:t>
             </a:fld>
@@ -1058,7 +1058,7 @@
     </p:spTree>
     <p:extLst>
       <p:ext uri="{BB962C8B-B14F-4D97-AF65-F5344CB8AC3E}">
-        <p14:creationId xmlns:p14="http://schemas.microsoft.com/office/powerpoint/2010/main" val="2094950915"/>
+        <p14:creationId xmlns:p14="http://schemas.microsoft.com/office/powerpoint/2010/main" val="2204447126"/>
       </p:ext>
     </p:extLst>
   </p:cSld>
@@ -1120,8 +1120,8 @@
         </p:nvSpPr>
         <p:spPr>
           <a:xfrm>
-            <a:off x="296972" y="2300203"/>
-            <a:ext cx="1835825" cy="5482485"/>
+            <a:off x="707340" y="2395710"/>
+            <a:ext cx="4372650" cy="5710124"/>
           </a:xfrm>
         </p:spPr>
         <p:txBody>
@@ -1177,8 +1177,8 @@
         </p:nvSpPr>
         <p:spPr>
           <a:xfrm>
-            <a:off x="2186791" y="2300203"/>
-            <a:ext cx="1835825" cy="5482485"/>
+            <a:off x="5208598" y="2395710"/>
+            <a:ext cx="4372650" cy="5710124"/>
           </a:xfrm>
         </p:spPr>
         <p:txBody>
@@ -1237,9 +1237,9 @@
           <a:bodyPr/>
           <a:lstStyle/>
           <a:p>
-            <a:fld id="{A4F7A466-0B4C-4C0F-803B-76CC4E5144BD}" type="datetimeFigureOut">
+            <a:fld id="{1E0DF464-35CB-4278-A862-D2CEABA7376D}" type="datetimeFigureOut">
               <a:rPr lang="es-MX" smtClean="0"/>
-              <a:t>27/05/2022</a:t>
+              <a:t>28/05/2022</a:t>
             </a:fld>
             <a:endParaRPr lang="es-MX"/>
           </a:p>
@@ -1279,7 +1279,7 @@
           <a:bodyPr/>
           <a:lstStyle/>
           <a:p>
-            <a:fld id="{075FE36A-1376-4E84-B420-5CF5C5440797}" type="slidenum">
+            <a:fld id="{562FDED8-6C96-4E2A-A426-5EC15C087259}" type="slidenum">
               <a:rPr lang="es-MX" smtClean="0"/>
               <a:t>‹Nº›</a:t>
             </a:fld>
@@ -1290,7 +1290,7 @@
     </p:spTree>
     <p:extLst>
       <p:ext uri="{BB962C8B-B14F-4D97-AF65-F5344CB8AC3E}">
-        <p14:creationId xmlns:p14="http://schemas.microsoft.com/office/powerpoint/2010/main" val="2922141613"/>
+        <p14:creationId xmlns:p14="http://schemas.microsoft.com/office/powerpoint/2010/main" val="2581676876"/>
       </p:ext>
     </p:extLst>
   </p:cSld>
@@ -1329,8 +1329,8 @@
         </p:nvSpPr>
         <p:spPr>
           <a:xfrm>
-            <a:off x="297534" y="460043"/>
-            <a:ext cx="3725645" cy="1670148"/>
+            <a:off x="708681" y="479144"/>
+            <a:ext cx="8873907" cy="1739495"/>
           </a:xfrm>
         </p:spPr>
         <p:txBody>
@@ -1357,8 +1357,8 @@
         </p:nvSpPr>
         <p:spPr>
           <a:xfrm>
-            <a:off x="297535" y="2118188"/>
-            <a:ext cx="1827388" cy="1038091"/>
+            <a:off x="708682" y="2206137"/>
+            <a:ext cx="4352554" cy="1081194"/>
           </a:xfrm>
         </p:spPr>
         <p:txBody>
@@ -1366,39 +1366,39 @@
           <a:lstStyle>
             <a:lvl1pPr marL="0" indent="0">
               <a:buNone/>
-              <a:defRPr sz="1134" b="1"/>
+              <a:defRPr sz="2700" b="1"/>
             </a:lvl1pPr>
-            <a:lvl2pPr marL="215981" indent="0">
-              <a:buNone/>
-              <a:defRPr sz="945" b="1"/>
+            <a:lvl2pPr marL="514441" indent="0">
+              <a:buNone/>
+              <a:defRPr sz="2250" b="1"/>
             </a:lvl2pPr>
-            <a:lvl3pPr marL="431963" indent="0">
-              <a:buNone/>
-              <a:defRPr sz="850" b="1"/>
+            <a:lvl3pPr marL="1028883" indent="0">
+              <a:buNone/>
+              <a:defRPr sz="2025" b="1"/>
             </a:lvl3pPr>
-            <a:lvl4pPr marL="647944" indent="0">
-              <a:buNone/>
-              <a:defRPr sz="756" b="1"/>
+            <a:lvl4pPr marL="1543324" indent="0">
+              <a:buNone/>
+              <a:defRPr sz="1800" b="1"/>
             </a:lvl4pPr>
-            <a:lvl5pPr marL="863925" indent="0">
-              <a:buNone/>
-              <a:defRPr sz="756" b="1"/>
+            <a:lvl5pPr marL="2057766" indent="0">
+              <a:buNone/>
+              <a:defRPr sz="1800" b="1"/>
             </a:lvl5pPr>
-            <a:lvl6pPr marL="1079906" indent="0">
-              <a:buNone/>
-              <a:defRPr sz="756" b="1"/>
+            <a:lvl6pPr marL="2572207" indent="0">
+              <a:buNone/>
+              <a:defRPr sz="1800" b="1"/>
             </a:lvl6pPr>
-            <a:lvl7pPr marL="1295888" indent="0">
-              <a:buNone/>
-              <a:defRPr sz="756" b="1"/>
+            <a:lvl7pPr marL="3086649" indent="0">
+              <a:buNone/>
+              <a:defRPr sz="1800" b="1"/>
             </a:lvl7pPr>
-            <a:lvl8pPr marL="1511869" indent="0">
-              <a:buNone/>
-              <a:defRPr sz="756" b="1"/>
+            <a:lvl8pPr marL="3601090" indent="0">
+              <a:buNone/>
+              <a:defRPr sz="1800" b="1"/>
             </a:lvl8pPr>
-            <a:lvl9pPr marL="1727850" indent="0">
-              <a:buNone/>
-              <a:defRPr sz="756" b="1"/>
+            <a:lvl9pPr marL="4115532" indent="0">
+              <a:buNone/>
+              <a:defRPr sz="1800" b="1"/>
             </a:lvl9pPr>
           </a:lstStyle>
           <a:p>
@@ -1422,8 +1422,8 @@
         </p:nvSpPr>
         <p:spPr>
           <a:xfrm>
-            <a:off x="297535" y="3156278"/>
-            <a:ext cx="1827388" cy="4642411"/>
+            <a:off x="708682" y="3287331"/>
+            <a:ext cx="4352554" cy="4835169"/>
           </a:xfrm>
         </p:spPr>
         <p:txBody>
@@ -1479,8 +1479,8 @@
         </p:nvSpPr>
         <p:spPr>
           <a:xfrm>
-            <a:off x="2186791" y="2118188"/>
-            <a:ext cx="1836388" cy="1038091"/>
+            <a:off x="5208598" y="2206137"/>
+            <a:ext cx="4373990" cy="1081194"/>
           </a:xfrm>
         </p:spPr>
         <p:txBody>
@@ -1488,39 +1488,39 @@
           <a:lstStyle>
             <a:lvl1pPr marL="0" indent="0">
               <a:buNone/>
-              <a:defRPr sz="1134" b="1"/>
+              <a:defRPr sz="2700" b="1"/>
             </a:lvl1pPr>
-            <a:lvl2pPr marL="215981" indent="0">
-              <a:buNone/>
-              <a:defRPr sz="945" b="1"/>
+            <a:lvl2pPr marL="514441" indent="0">
+              <a:buNone/>
+              <a:defRPr sz="2250" b="1"/>
             </a:lvl2pPr>
-            <a:lvl3pPr marL="431963" indent="0">
-              <a:buNone/>
-              <a:defRPr sz="850" b="1"/>
+            <a:lvl3pPr marL="1028883" indent="0">
+              <a:buNone/>
+              <a:defRPr sz="2025" b="1"/>
             </a:lvl3pPr>
-            <a:lvl4pPr marL="647944" indent="0">
-              <a:buNone/>
-              <a:defRPr sz="756" b="1"/>
+            <a:lvl4pPr marL="1543324" indent="0">
+              <a:buNone/>
+              <a:defRPr sz="1800" b="1"/>
             </a:lvl4pPr>
-            <a:lvl5pPr marL="863925" indent="0">
-              <a:buNone/>
-              <a:defRPr sz="756" b="1"/>
+            <a:lvl5pPr marL="2057766" indent="0">
+              <a:buNone/>
+              <a:defRPr sz="1800" b="1"/>
             </a:lvl5pPr>
-            <a:lvl6pPr marL="1079906" indent="0">
-              <a:buNone/>
-              <a:defRPr sz="756" b="1"/>
+            <a:lvl6pPr marL="2572207" indent="0">
+              <a:buNone/>
+              <a:defRPr sz="1800" b="1"/>
             </a:lvl6pPr>
-            <a:lvl7pPr marL="1295888" indent="0">
-              <a:buNone/>
-              <a:defRPr sz="756" b="1"/>
+            <a:lvl7pPr marL="3086649" indent="0">
+              <a:buNone/>
+              <a:defRPr sz="1800" b="1"/>
             </a:lvl7pPr>
-            <a:lvl8pPr marL="1511869" indent="0">
-              <a:buNone/>
-              <a:defRPr sz="756" b="1"/>
+            <a:lvl8pPr marL="3601090" indent="0">
+              <a:buNone/>
+              <a:defRPr sz="1800" b="1"/>
             </a:lvl8pPr>
-            <a:lvl9pPr marL="1727850" indent="0">
-              <a:buNone/>
-              <a:defRPr sz="756" b="1"/>
+            <a:lvl9pPr marL="4115532" indent="0">
+              <a:buNone/>
+              <a:defRPr sz="1800" b="1"/>
             </a:lvl9pPr>
           </a:lstStyle>
           <a:p>
@@ -1544,8 +1544,8 @@
         </p:nvSpPr>
         <p:spPr>
           <a:xfrm>
-            <a:off x="2186791" y="3156278"/>
-            <a:ext cx="1836388" cy="4642411"/>
+            <a:off x="5208598" y="3287331"/>
+            <a:ext cx="4373990" cy="4835169"/>
           </a:xfrm>
         </p:spPr>
         <p:txBody>
@@ -1604,9 +1604,9 @@
           <a:bodyPr/>
           <a:lstStyle/>
           <a:p>
-            <a:fld id="{A4F7A466-0B4C-4C0F-803B-76CC4E5144BD}" type="datetimeFigureOut">
+            <a:fld id="{1E0DF464-35CB-4278-A862-D2CEABA7376D}" type="datetimeFigureOut">
               <a:rPr lang="es-MX" smtClean="0"/>
-              <a:t>27/05/2022</a:t>
+              <a:t>28/05/2022</a:t>
             </a:fld>
             <a:endParaRPr lang="es-MX"/>
           </a:p>
@@ -1646,7 +1646,7 @@
           <a:bodyPr/>
           <a:lstStyle/>
           <a:p>
-            <a:fld id="{075FE36A-1376-4E84-B420-5CF5C5440797}" type="slidenum">
+            <a:fld id="{562FDED8-6C96-4E2A-A426-5EC15C087259}" type="slidenum">
               <a:rPr lang="es-MX" smtClean="0"/>
               <a:t>‹Nº›</a:t>
             </a:fld>
@@ -1657,7 +1657,7 @@
     </p:spTree>
     <p:extLst>
       <p:ext uri="{BB962C8B-B14F-4D97-AF65-F5344CB8AC3E}">
-        <p14:creationId xmlns:p14="http://schemas.microsoft.com/office/powerpoint/2010/main" val="3909431184"/>
+        <p14:creationId xmlns:p14="http://schemas.microsoft.com/office/powerpoint/2010/main" val="2195381457"/>
       </p:ext>
     </p:extLst>
   </p:cSld>
@@ -1722,9 +1722,9 @@
           <a:bodyPr/>
           <a:lstStyle/>
           <a:p>
-            <a:fld id="{A4F7A466-0B4C-4C0F-803B-76CC4E5144BD}" type="datetimeFigureOut">
+            <a:fld id="{1E0DF464-35CB-4278-A862-D2CEABA7376D}" type="datetimeFigureOut">
               <a:rPr lang="es-MX" smtClean="0"/>
-              <a:t>27/05/2022</a:t>
+              <a:t>28/05/2022</a:t>
             </a:fld>
             <a:endParaRPr lang="es-MX"/>
           </a:p>
@@ -1764,7 +1764,7 @@
           <a:bodyPr/>
           <a:lstStyle/>
           <a:p>
-            <a:fld id="{075FE36A-1376-4E84-B420-5CF5C5440797}" type="slidenum">
+            <a:fld id="{562FDED8-6C96-4E2A-A426-5EC15C087259}" type="slidenum">
               <a:rPr lang="es-MX" smtClean="0"/>
               <a:t>‹Nº›</a:t>
             </a:fld>
@@ -1775,7 +1775,7 @@
     </p:spTree>
     <p:extLst>
       <p:ext uri="{BB962C8B-B14F-4D97-AF65-F5344CB8AC3E}">
-        <p14:creationId xmlns:p14="http://schemas.microsoft.com/office/powerpoint/2010/main" val="734709696"/>
+        <p14:creationId xmlns:p14="http://schemas.microsoft.com/office/powerpoint/2010/main" val="395858277"/>
       </p:ext>
     </p:extLst>
   </p:cSld>
@@ -1817,9 +1817,9 @@
           <a:bodyPr/>
           <a:lstStyle/>
           <a:p>
-            <a:fld id="{A4F7A466-0B4C-4C0F-803B-76CC4E5144BD}" type="datetimeFigureOut">
+            <a:fld id="{1E0DF464-35CB-4278-A862-D2CEABA7376D}" type="datetimeFigureOut">
               <a:rPr lang="es-MX" smtClean="0"/>
-              <a:t>27/05/2022</a:t>
+              <a:t>28/05/2022</a:t>
             </a:fld>
             <a:endParaRPr lang="es-MX"/>
           </a:p>
@@ -1859,7 +1859,7 @@
           <a:bodyPr/>
           <a:lstStyle/>
           <a:p>
-            <a:fld id="{075FE36A-1376-4E84-B420-5CF5C5440797}" type="slidenum">
+            <a:fld id="{562FDED8-6C96-4E2A-A426-5EC15C087259}" type="slidenum">
               <a:rPr lang="es-MX" smtClean="0"/>
               <a:t>‹Nº›</a:t>
             </a:fld>
@@ -1870,7 +1870,7 @@
     </p:spTree>
     <p:extLst>
       <p:ext uri="{BB962C8B-B14F-4D97-AF65-F5344CB8AC3E}">
-        <p14:creationId xmlns:p14="http://schemas.microsoft.com/office/powerpoint/2010/main" val="639516490"/>
+        <p14:creationId xmlns:p14="http://schemas.microsoft.com/office/powerpoint/2010/main" val="111047245"/>
       </p:ext>
     </p:extLst>
   </p:cSld>
@@ -1909,15 +1909,15 @@
         </p:nvSpPr>
         <p:spPr>
           <a:xfrm>
-            <a:off x="297534" y="576051"/>
-            <a:ext cx="1393180" cy="2016178"/>
+            <a:off x="708681" y="599969"/>
+            <a:ext cx="3318337" cy="2099892"/>
           </a:xfrm>
         </p:spPr>
         <p:txBody>
           <a:bodyPr anchor="b"/>
           <a:lstStyle>
             <a:lvl1pPr>
-              <a:defRPr sz="1512"/>
+              <a:defRPr sz="3601"/>
             </a:lvl1pPr>
           </a:lstStyle>
           <a:p>
@@ -1941,39 +1941,39 @@
         </p:nvSpPr>
         <p:spPr>
           <a:xfrm>
-            <a:off x="1836388" y="1244112"/>
-            <a:ext cx="2186791" cy="6140542"/>
+            <a:off x="4373990" y="1295769"/>
+            <a:ext cx="5208598" cy="6395505"/>
           </a:xfrm>
         </p:spPr>
         <p:txBody>
           <a:bodyPr/>
           <a:lstStyle>
             <a:lvl1pPr>
-              <a:defRPr sz="1512"/>
+              <a:defRPr sz="3601"/>
             </a:lvl1pPr>
             <a:lvl2pPr>
-              <a:defRPr sz="1323"/>
+              <a:defRPr sz="3151"/>
             </a:lvl2pPr>
             <a:lvl3pPr>
-              <a:defRPr sz="1134"/>
+              <a:defRPr sz="2700"/>
             </a:lvl3pPr>
             <a:lvl4pPr>
-              <a:defRPr sz="945"/>
+              <a:defRPr sz="2250"/>
             </a:lvl4pPr>
             <a:lvl5pPr>
-              <a:defRPr sz="945"/>
+              <a:defRPr sz="2250"/>
             </a:lvl5pPr>
             <a:lvl6pPr>
-              <a:defRPr sz="945"/>
+              <a:defRPr sz="2250"/>
             </a:lvl6pPr>
             <a:lvl7pPr>
-              <a:defRPr sz="945"/>
+              <a:defRPr sz="2250"/>
             </a:lvl7pPr>
             <a:lvl8pPr>
-              <a:defRPr sz="945"/>
+              <a:defRPr sz="2250"/>
             </a:lvl8pPr>
             <a:lvl9pPr>
-              <a:defRPr sz="945"/>
+              <a:defRPr sz="2250"/>
             </a:lvl9pPr>
           </a:lstStyle>
           <a:p>
@@ -2026,8 +2026,8 @@
         </p:nvSpPr>
         <p:spPr>
           <a:xfrm>
-            <a:off x="297534" y="2592229"/>
-            <a:ext cx="1393180" cy="4802425"/>
+            <a:off x="708681" y="2699862"/>
+            <a:ext cx="3318337" cy="5001827"/>
           </a:xfrm>
         </p:spPr>
         <p:txBody>
@@ -2035,39 +2035,39 @@
           <a:lstStyle>
             <a:lvl1pPr marL="0" indent="0">
               <a:buNone/>
-              <a:defRPr sz="756"/>
+              <a:defRPr sz="1800"/>
             </a:lvl1pPr>
-            <a:lvl2pPr marL="215981" indent="0">
-              <a:buNone/>
-              <a:defRPr sz="661"/>
+            <a:lvl2pPr marL="514441" indent="0">
+              <a:buNone/>
+              <a:defRPr sz="1575"/>
             </a:lvl2pPr>
-            <a:lvl3pPr marL="431963" indent="0">
-              <a:buNone/>
-              <a:defRPr sz="567"/>
+            <a:lvl3pPr marL="1028883" indent="0">
+              <a:buNone/>
+              <a:defRPr sz="1350"/>
             </a:lvl3pPr>
-            <a:lvl4pPr marL="647944" indent="0">
-              <a:buNone/>
-              <a:defRPr sz="472"/>
+            <a:lvl4pPr marL="1543324" indent="0">
+              <a:buNone/>
+              <a:defRPr sz="1125"/>
             </a:lvl4pPr>
-            <a:lvl5pPr marL="863925" indent="0">
-              <a:buNone/>
-              <a:defRPr sz="472"/>
+            <a:lvl5pPr marL="2057766" indent="0">
+              <a:buNone/>
+              <a:defRPr sz="1125"/>
             </a:lvl5pPr>
-            <a:lvl6pPr marL="1079906" indent="0">
-              <a:buNone/>
-              <a:defRPr sz="472"/>
+            <a:lvl6pPr marL="2572207" indent="0">
+              <a:buNone/>
+              <a:defRPr sz="1125"/>
             </a:lvl6pPr>
-            <a:lvl7pPr marL="1295888" indent="0">
-              <a:buNone/>
-              <a:defRPr sz="472"/>
+            <a:lvl7pPr marL="3086649" indent="0">
+              <a:buNone/>
+              <a:defRPr sz="1125"/>
             </a:lvl7pPr>
-            <a:lvl8pPr marL="1511869" indent="0">
-              <a:buNone/>
-              <a:defRPr sz="472"/>
+            <a:lvl8pPr marL="3601090" indent="0">
+              <a:buNone/>
+              <a:defRPr sz="1125"/>
             </a:lvl8pPr>
-            <a:lvl9pPr marL="1727850" indent="0">
-              <a:buNone/>
-              <a:defRPr sz="472"/>
+            <a:lvl9pPr marL="4115532" indent="0">
+              <a:buNone/>
+              <a:defRPr sz="1125"/>
             </a:lvl9pPr>
           </a:lstStyle>
           <a:p>
@@ -2094,9 +2094,9 @@
           <a:bodyPr/>
           <a:lstStyle/>
           <a:p>
-            <a:fld id="{A4F7A466-0B4C-4C0F-803B-76CC4E5144BD}" type="datetimeFigureOut">
+            <a:fld id="{1E0DF464-35CB-4278-A862-D2CEABA7376D}" type="datetimeFigureOut">
               <a:rPr lang="es-MX" smtClean="0"/>
-              <a:t>27/05/2022</a:t>
+              <a:t>28/05/2022</a:t>
             </a:fld>
             <a:endParaRPr lang="es-MX"/>
           </a:p>
@@ -2136,7 +2136,7 @@
           <a:bodyPr/>
           <a:lstStyle/>
           <a:p>
-            <a:fld id="{075FE36A-1376-4E84-B420-5CF5C5440797}" type="slidenum">
+            <a:fld id="{562FDED8-6C96-4E2A-A426-5EC15C087259}" type="slidenum">
               <a:rPr lang="es-MX" smtClean="0"/>
               <a:t>‹Nº›</a:t>
             </a:fld>
@@ -2147,7 +2147,7 @@
     </p:spTree>
     <p:extLst>
       <p:ext uri="{BB962C8B-B14F-4D97-AF65-F5344CB8AC3E}">
-        <p14:creationId xmlns:p14="http://schemas.microsoft.com/office/powerpoint/2010/main" val="4089468307"/>
+        <p14:creationId xmlns:p14="http://schemas.microsoft.com/office/powerpoint/2010/main" val="3715921224"/>
       </p:ext>
     </p:extLst>
   </p:cSld>
@@ -2186,15 +2186,15 @@
         </p:nvSpPr>
         <p:spPr>
           <a:xfrm>
-            <a:off x="297534" y="576051"/>
-            <a:ext cx="1393180" cy="2016178"/>
+            <a:off x="708681" y="599969"/>
+            <a:ext cx="3318337" cy="2099892"/>
           </a:xfrm>
         </p:spPr>
         <p:txBody>
           <a:bodyPr anchor="b"/>
           <a:lstStyle>
             <a:lvl1pPr>
-              <a:defRPr sz="1512"/>
+              <a:defRPr sz="3601"/>
             </a:lvl1pPr>
           </a:lstStyle>
           <a:p>
@@ -2218,8 +2218,8 @@
         </p:nvSpPr>
         <p:spPr>
           <a:xfrm>
-            <a:off x="1836388" y="1244112"/>
-            <a:ext cx="2186791" cy="6140542"/>
+            <a:off x="4373990" y="1295769"/>
+            <a:ext cx="5208598" cy="6395505"/>
           </a:xfrm>
         </p:spPr>
         <p:txBody>
@@ -2227,39 +2227,39 @@
           <a:lstStyle>
             <a:lvl1pPr marL="0" indent="0">
               <a:buNone/>
-              <a:defRPr sz="1512"/>
+              <a:defRPr sz="3601"/>
             </a:lvl1pPr>
-            <a:lvl2pPr marL="215981" indent="0">
-              <a:buNone/>
-              <a:defRPr sz="1323"/>
+            <a:lvl2pPr marL="514441" indent="0">
+              <a:buNone/>
+              <a:defRPr sz="3151"/>
             </a:lvl2pPr>
-            <a:lvl3pPr marL="431963" indent="0">
-              <a:buNone/>
-              <a:defRPr sz="1134"/>
+            <a:lvl3pPr marL="1028883" indent="0">
+              <a:buNone/>
+              <a:defRPr sz="2700"/>
             </a:lvl3pPr>
-            <a:lvl4pPr marL="647944" indent="0">
-              <a:buNone/>
-              <a:defRPr sz="945"/>
+            <a:lvl4pPr marL="1543324" indent="0">
+              <a:buNone/>
+              <a:defRPr sz="2250"/>
             </a:lvl4pPr>
-            <a:lvl5pPr marL="863925" indent="0">
-              <a:buNone/>
-              <a:defRPr sz="945"/>
+            <a:lvl5pPr marL="2057766" indent="0">
+              <a:buNone/>
+              <a:defRPr sz="2250"/>
             </a:lvl5pPr>
-            <a:lvl6pPr marL="1079906" indent="0">
-              <a:buNone/>
-              <a:defRPr sz="945"/>
+            <a:lvl6pPr marL="2572207" indent="0">
+              <a:buNone/>
+              <a:defRPr sz="2250"/>
             </a:lvl6pPr>
-            <a:lvl7pPr marL="1295888" indent="0">
-              <a:buNone/>
-              <a:defRPr sz="945"/>
+            <a:lvl7pPr marL="3086649" indent="0">
+              <a:buNone/>
+              <a:defRPr sz="2250"/>
             </a:lvl7pPr>
-            <a:lvl8pPr marL="1511869" indent="0">
-              <a:buNone/>
-              <a:defRPr sz="945"/>
+            <a:lvl8pPr marL="3601090" indent="0">
+              <a:buNone/>
+              <a:defRPr sz="2250"/>
             </a:lvl8pPr>
-            <a:lvl9pPr marL="1727850" indent="0">
-              <a:buNone/>
-              <a:defRPr sz="945"/>
+            <a:lvl9pPr marL="4115532" indent="0">
+              <a:buNone/>
+              <a:defRPr sz="2250"/>
             </a:lvl9pPr>
           </a:lstStyle>
           <a:p>
@@ -2283,8 +2283,8 @@
         </p:nvSpPr>
         <p:spPr>
           <a:xfrm>
-            <a:off x="297534" y="2592229"/>
-            <a:ext cx="1393180" cy="4802425"/>
+            <a:off x="708681" y="2699862"/>
+            <a:ext cx="3318337" cy="5001827"/>
           </a:xfrm>
         </p:spPr>
         <p:txBody>
@@ -2292,39 +2292,39 @@
           <a:lstStyle>
             <a:lvl1pPr marL="0" indent="0">
               <a:buNone/>
-              <a:defRPr sz="756"/>
+              <a:defRPr sz="1800"/>
             </a:lvl1pPr>
-            <a:lvl2pPr marL="215981" indent="0">
-              <a:buNone/>
-              <a:defRPr sz="661"/>
+            <a:lvl2pPr marL="514441" indent="0">
+              <a:buNone/>
+              <a:defRPr sz="1575"/>
             </a:lvl2pPr>
-            <a:lvl3pPr marL="431963" indent="0">
-              <a:buNone/>
-              <a:defRPr sz="567"/>
+            <a:lvl3pPr marL="1028883" indent="0">
+              <a:buNone/>
+              <a:defRPr sz="1350"/>
             </a:lvl3pPr>
-            <a:lvl4pPr marL="647944" indent="0">
-              <a:buNone/>
-              <a:defRPr sz="472"/>
+            <a:lvl4pPr marL="1543324" indent="0">
+              <a:buNone/>
+              <a:defRPr sz="1125"/>
             </a:lvl4pPr>
-            <a:lvl5pPr marL="863925" indent="0">
-              <a:buNone/>
-              <a:defRPr sz="472"/>
+            <a:lvl5pPr marL="2057766" indent="0">
+              <a:buNone/>
+              <a:defRPr sz="1125"/>
             </a:lvl5pPr>
-            <a:lvl6pPr marL="1079906" indent="0">
-              <a:buNone/>
-              <a:defRPr sz="472"/>
+            <a:lvl6pPr marL="2572207" indent="0">
+              <a:buNone/>
+              <a:defRPr sz="1125"/>
             </a:lvl6pPr>
-            <a:lvl7pPr marL="1295888" indent="0">
-              <a:buNone/>
-              <a:defRPr sz="472"/>
+            <a:lvl7pPr marL="3086649" indent="0">
+              <a:buNone/>
+              <a:defRPr sz="1125"/>
             </a:lvl7pPr>
-            <a:lvl8pPr marL="1511869" indent="0">
-              <a:buNone/>
-              <a:defRPr sz="472"/>
+            <a:lvl8pPr marL="3601090" indent="0">
+              <a:buNone/>
+              <a:defRPr sz="1125"/>
             </a:lvl8pPr>
-            <a:lvl9pPr marL="1727850" indent="0">
-              <a:buNone/>
-              <a:defRPr sz="472"/>
+            <a:lvl9pPr marL="4115532" indent="0">
+              <a:buNone/>
+              <a:defRPr sz="1125"/>
             </a:lvl9pPr>
           </a:lstStyle>
           <a:p>
@@ -2351,9 +2351,9 @@
           <a:bodyPr/>
           <a:lstStyle/>
           <a:p>
-            <a:fld id="{A4F7A466-0B4C-4C0F-803B-76CC4E5144BD}" type="datetimeFigureOut">
+            <a:fld id="{1E0DF464-35CB-4278-A862-D2CEABA7376D}" type="datetimeFigureOut">
               <a:rPr lang="es-MX" smtClean="0"/>
-              <a:t>27/05/2022</a:t>
+              <a:t>28/05/2022</a:t>
             </a:fld>
             <a:endParaRPr lang="es-MX"/>
           </a:p>
@@ -2393,7 +2393,7 @@
           <a:bodyPr/>
           <a:lstStyle/>
           <a:p>
-            <a:fld id="{075FE36A-1376-4E84-B420-5CF5C5440797}" type="slidenum">
+            <a:fld id="{562FDED8-6C96-4E2A-A426-5EC15C087259}" type="slidenum">
               <a:rPr lang="es-MX" smtClean="0"/>
               <a:t>‹Nº›</a:t>
             </a:fld>
@@ -2404,7 +2404,7 @@
     </p:spTree>
     <p:extLst>
       <p:ext uri="{BB962C8B-B14F-4D97-AF65-F5344CB8AC3E}">
-        <p14:creationId xmlns:p14="http://schemas.microsoft.com/office/powerpoint/2010/main" val="3400998821"/>
+        <p14:creationId xmlns:p14="http://schemas.microsoft.com/office/powerpoint/2010/main" val="3728783875"/>
       </p:ext>
     </p:extLst>
   </p:cSld>
@@ -2448,8 +2448,8 @@
         </p:nvSpPr>
         <p:spPr>
           <a:xfrm>
-            <a:off x="296972" y="460043"/>
-            <a:ext cx="3725645" cy="1670148"/>
+            <a:off x="707341" y="479144"/>
+            <a:ext cx="8873907" cy="1739495"/>
           </a:xfrm>
           <a:prstGeom prst="rect">
             <a:avLst/>
@@ -2481,8 +2481,8 @@
         </p:nvSpPr>
         <p:spPr>
           <a:xfrm>
-            <a:off x="296972" y="2300203"/>
-            <a:ext cx="3725645" cy="5482485"/>
+            <a:off x="707341" y="2395710"/>
+            <a:ext cx="8873907" cy="5710124"/>
           </a:xfrm>
           <a:prstGeom prst="rect">
             <a:avLst/>
@@ -2543,8 +2543,8 @@
         </p:nvSpPr>
         <p:spPr>
           <a:xfrm>
-            <a:off x="296972" y="8008709"/>
-            <a:ext cx="971907" cy="460041"/>
+            <a:off x="707341" y="8341240"/>
+            <a:ext cx="2314932" cy="479142"/>
           </a:xfrm>
           <a:prstGeom prst="rect">
             <a:avLst/>
@@ -2554,7 +2554,7 @@
           <a:bodyPr vert="horz" lIns="91440" tIns="45720" rIns="91440" bIns="45720" rtlCol="0" anchor="ctr"/>
           <a:lstStyle>
             <a:lvl1pPr algn="l">
-              <a:defRPr sz="567">
+              <a:defRPr sz="1350">
                 <a:solidFill>
                   <a:schemeClr val="tx1">
                     <a:tint val="75000"/>
@@ -2564,9 +2564,9 @@
             </a:lvl1pPr>
           </a:lstStyle>
           <a:p>
-            <a:fld id="{A4F7A466-0B4C-4C0F-803B-76CC4E5144BD}" type="datetimeFigureOut">
+            <a:fld id="{1E0DF464-35CB-4278-A862-D2CEABA7376D}" type="datetimeFigureOut">
               <a:rPr lang="es-MX" smtClean="0"/>
-              <a:t>27/05/2022</a:t>
+              <a:t>28/05/2022</a:t>
             </a:fld>
             <a:endParaRPr lang="es-MX"/>
           </a:p>
@@ -2584,8 +2584,8 @@
         </p:nvSpPr>
         <p:spPr>
           <a:xfrm>
-            <a:off x="1430864" y="8008709"/>
-            <a:ext cx="1457861" cy="460041"/>
+            <a:off x="3408095" y="8341240"/>
+            <a:ext cx="3472398" cy="479142"/>
           </a:xfrm>
           <a:prstGeom prst="rect">
             <a:avLst/>
@@ -2595,7 +2595,7 @@
           <a:bodyPr vert="horz" lIns="91440" tIns="45720" rIns="91440" bIns="45720" rtlCol="0" anchor="ctr"/>
           <a:lstStyle>
             <a:lvl1pPr algn="ctr">
-              <a:defRPr sz="567">
+              <a:defRPr sz="1350">
                 <a:solidFill>
                   <a:schemeClr val="tx1">
                     <a:tint val="75000"/>
@@ -2621,8 +2621,8 @@
         </p:nvSpPr>
         <p:spPr>
           <a:xfrm>
-            <a:off x="3050709" y="8008709"/>
-            <a:ext cx="971907" cy="460041"/>
+            <a:off x="7266315" y="8341240"/>
+            <a:ext cx="2314932" cy="479142"/>
           </a:xfrm>
           <a:prstGeom prst="rect">
             <a:avLst/>
@@ -2632,7 +2632,7 @@
           <a:bodyPr vert="horz" lIns="91440" tIns="45720" rIns="91440" bIns="45720" rtlCol="0" anchor="ctr"/>
           <a:lstStyle>
             <a:lvl1pPr algn="r">
-              <a:defRPr sz="567">
+              <a:defRPr sz="1350">
                 <a:solidFill>
                   <a:schemeClr val="tx1">
                     <a:tint val="75000"/>
@@ -2642,7 +2642,7 @@
             </a:lvl1pPr>
           </a:lstStyle>
           <a:p>
-            <a:fld id="{075FE36A-1376-4E84-B420-5CF5C5440797}" type="slidenum">
+            <a:fld id="{562FDED8-6C96-4E2A-A426-5EC15C087259}" type="slidenum">
               <a:rPr lang="es-MX" smtClean="0"/>
               <a:t>‹Nº›</a:t>
             </a:fld>
@@ -2653,27 +2653,27 @@
     </p:spTree>
     <p:extLst>
       <p:ext uri="{BB962C8B-B14F-4D97-AF65-F5344CB8AC3E}">
-        <p14:creationId xmlns:p14="http://schemas.microsoft.com/office/powerpoint/2010/main" val="3773052068"/>
+        <p14:creationId xmlns:p14="http://schemas.microsoft.com/office/powerpoint/2010/main" val="3458145530"/>
       </p:ext>
     </p:extLst>
   </p:cSld>
   <p:clrMap bg1="lt1" tx1="dk1" bg2="lt2" tx2="dk2" accent1="accent1" accent2="accent2" accent3="accent3" accent4="accent4" accent5="accent5" accent6="accent6" hlink="hlink" folHlink="folHlink"/>
   <p:sldLayoutIdLst>
-    <p:sldLayoutId id="2147483673" r:id="rId1"/>
-    <p:sldLayoutId id="2147483674" r:id="rId2"/>
-    <p:sldLayoutId id="2147483675" r:id="rId3"/>
-    <p:sldLayoutId id="2147483676" r:id="rId4"/>
-    <p:sldLayoutId id="2147483677" r:id="rId5"/>
-    <p:sldLayoutId id="2147483678" r:id="rId6"/>
-    <p:sldLayoutId id="2147483679" r:id="rId7"/>
-    <p:sldLayoutId id="2147483680" r:id="rId8"/>
-    <p:sldLayoutId id="2147483681" r:id="rId9"/>
-    <p:sldLayoutId id="2147483682" r:id="rId10"/>
-    <p:sldLayoutId id="2147483683" r:id="rId11"/>
+    <p:sldLayoutId id="2147483685" r:id="rId1"/>
+    <p:sldLayoutId id="2147483686" r:id="rId2"/>
+    <p:sldLayoutId id="2147483687" r:id="rId3"/>
+    <p:sldLayoutId id="2147483688" r:id="rId4"/>
+    <p:sldLayoutId id="2147483689" r:id="rId5"/>
+    <p:sldLayoutId id="2147483690" r:id="rId6"/>
+    <p:sldLayoutId id="2147483691" r:id="rId7"/>
+    <p:sldLayoutId id="2147483692" r:id="rId8"/>
+    <p:sldLayoutId id="2147483693" r:id="rId9"/>
+    <p:sldLayoutId id="2147483694" r:id="rId10"/>
+    <p:sldLayoutId id="2147483695" r:id="rId11"/>
   </p:sldLayoutIdLst>
   <p:txStyles>
     <p:titleStyle>
-      <a:lvl1pPr algn="l" defTabSz="431963" rtl="0" eaLnBrk="1" latinLnBrk="0" hangingPunct="1">
+      <a:lvl1pPr algn="l" defTabSz="1028883" rtl="0" eaLnBrk="1" latinLnBrk="0" hangingPunct="1">
         <a:lnSpc>
           <a:spcPct val="90000"/>
         </a:lnSpc>
@@ -2681,7 +2681,7 @@
           <a:spcPct val="0"/>
         </a:spcBef>
         <a:buNone/>
-        <a:defRPr sz="2079" kern="1200">
+        <a:defRPr sz="4951" kern="1200">
           <a:solidFill>
             <a:schemeClr val="tx1"/>
           </a:solidFill>
@@ -2692,16 +2692,16 @@
       </a:lvl1pPr>
     </p:titleStyle>
     <p:bodyStyle>
-      <a:lvl1pPr marL="107991" indent="-107991" algn="l" defTabSz="431963" rtl="0" eaLnBrk="1" latinLnBrk="0" hangingPunct="1">
+      <a:lvl1pPr marL="257221" indent="-257221" algn="l" defTabSz="1028883" rtl="0" eaLnBrk="1" latinLnBrk="0" hangingPunct="1">
         <a:lnSpc>
           <a:spcPct val="90000"/>
         </a:lnSpc>
         <a:spcBef>
-          <a:spcPts val="472"/>
+          <a:spcPts val="1125"/>
         </a:spcBef>
         <a:buFont typeface="Arial" panose="020B0604020202020204" pitchFamily="34" charset="0"/>
         <a:buChar char="•"/>
-        <a:defRPr sz="1323" kern="1200">
+        <a:defRPr sz="3151" kern="1200">
           <a:solidFill>
             <a:schemeClr val="tx1"/>
           </a:solidFill>
@@ -2710,16 +2710,16 @@
           <a:cs typeface="+mn-cs"/>
         </a:defRPr>
       </a:lvl1pPr>
-      <a:lvl2pPr marL="323972" indent="-107991" algn="l" defTabSz="431963" rtl="0" eaLnBrk="1" latinLnBrk="0" hangingPunct="1">
+      <a:lvl2pPr marL="771662" indent="-257221" algn="l" defTabSz="1028883" rtl="0" eaLnBrk="1" latinLnBrk="0" hangingPunct="1">
         <a:lnSpc>
           <a:spcPct val="90000"/>
         </a:lnSpc>
         <a:spcBef>
-          <a:spcPts val="236"/>
+          <a:spcPts val="563"/>
         </a:spcBef>
         <a:buFont typeface="Arial" panose="020B0604020202020204" pitchFamily="34" charset="0"/>
         <a:buChar char="•"/>
-        <a:defRPr sz="1134" kern="1200">
+        <a:defRPr sz="2700" kern="1200">
           <a:solidFill>
             <a:schemeClr val="tx1"/>
           </a:solidFill>
@@ -2728,16 +2728,16 @@
           <a:cs typeface="+mn-cs"/>
         </a:defRPr>
       </a:lvl2pPr>
-      <a:lvl3pPr marL="539953" indent="-107991" algn="l" defTabSz="431963" rtl="0" eaLnBrk="1" latinLnBrk="0" hangingPunct="1">
+      <a:lvl3pPr marL="1286104" indent="-257221" algn="l" defTabSz="1028883" rtl="0" eaLnBrk="1" latinLnBrk="0" hangingPunct="1">
         <a:lnSpc>
           <a:spcPct val="90000"/>
         </a:lnSpc>
         <a:spcBef>
-          <a:spcPts val="236"/>
+          <a:spcPts val="563"/>
         </a:spcBef>
         <a:buFont typeface="Arial" panose="020B0604020202020204" pitchFamily="34" charset="0"/>
         <a:buChar char="•"/>
-        <a:defRPr sz="945" kern="1200">
+        <a:defRPr sz="2250" kern="1200">
           <a:solidFill>
             <a:schemeClr val="tx1"/>
           </a:solidFill>
@@ -2746,16 +2746,16 @@
           <a:cs typeface="+mn-cs"/>
         </a:defRPr>
       </a:lvl3pPr>
-      <a:lvl4pPr marL="755934" indent="-107991" algn="l" defTabSz="431963" rtl="0" eaLnBrk="1" latinLnBrk="0" hangingPunct="1">
+      <a:lvl4pPr marL="1800545" indent="-257221" algn="l" defTabSz="1028883" rtl="0" eaLnBrk="1" latinLnBrk="0" hangingPunct="1">
         <a:lnSpc>
           <a:spcPct val="90000"/>
         </a:lnSpc>
         <a:spcBef>
-          <a:spcPts val="236"/>
+          <a:spcPts val="563"/>
         </a:spcBef>
         <a:buFont typeface="Arial" panose="020B0604020202020204" pitchFamily="34" charset="0"/>
         <a:buChar char="•"/>
-        <a:defRPr sz="850" kern="1200">
+        <a:defRPr sz="2025" kern="1200">
           <a:solidFill>
             <a:schemeClr val="tx1"/>
           </a:solidFill>
@@ -2764,16 +2764,16 @@
           <a:cs typeface="+mn-cs"/>
         </a:defRPr>
       </a:lvl4pPr>
-      <a:lvl5pPr marL="971916" indent="-107991" algn="l" defTabSz="431963" rtl="0" eaLnBrk="1" latinLnBrk="0" hangingPunct="1">
+      <a:lvl5pPr marL="2314986" indent="-257221" algn="l" defTabSz="1028883" rtl="0" eaLnBrk="1" latinLnBrk="0" hangingPunct="1">
         <a:lnSpc>
           <a:spcPct val="90000"/>
         </a:lnSpc>
         <a:spcBef>
-          <a:spcPts val="236"/>
+          <a:spcPts val="563"/>
         </a:spcBef>
         <a:buFont typeface="Arial" panose="020B0604020202020204" pitchFamily="34" charset="0"/>
         <a:buChar char="•"/>
-        <a:defRPr sz="850" kern="1200">
+        <a:defRPr sz="2025" kern="1200">
           <a:solidFill>
             <a:schemeClr val="tx1"/>
           </a:solidFill>
@@ -2782,16 +2782,16 @@
           <a:cs typeface="+mn-cs"/>
         </a:defRPr>
       </a:lvl5pPr>
-      <a:lvl6pPr marL="1187897" indent="-107991" algn="l" defTabSz="431963" rtl="0" eaLnBrk="1" latinLnBrk="0" hangingPunct="1">
+      <a:lvl6pPr marL="2829428" indent="-257221" algn="l" defTabSz="1028883" rtl="0" eaLnBrk="1" latinLnBrk="0" hangingPunct="1">
         <a:lnSpc>
           <a:spcPct val="90000"/>
         </a:lnSpc>
         <a:spcBef>
-          <a:spcPts val="236"/>
+          <a:spcPts val="563"/>
         </a:spcBef>
         <a:buFont typeface="Arial" panose="020B0604020202020204" pitchFamily="34" charset="0"/>
         <a:buChar char="•"/>
-        <a:defRPr sz="850" kern="1200">
+        <a:defRPr sz="2025" kern="1200">
           <a:solidFill>
             <a:schemeClr val="tx1"/>
           </a:solidFill>
@@ -2800,16 +2800,16 @@
           <a:cs typeface="+mn-cs"/>
         </a:defRPr>
       </a:lvl6pPr>
-      <a:lvl7pPr marL="1403878" indent="-107991" algn="l" defTabSz="431963" rtl="0" eaLnBrk="1" latinLnBrk="0" hangingPunct="1">
+      <a:lvl7pPr marL="3343869" indent="-257221" algn="l" defTabSz="1028883" rtl="0" eaLnBrk="1" latinLnBrk="0" hangingPunct="1">
         <a:lnSpc>
           <a:spcPct val="90000"/>
         </a:lnSpc>
         <a:spcBef>
-          <a:spcPts val="236"/>
+          <a:spcPts val="563"/>
         </a:spcBef>
         <a:buFont typeface="Arial" panose="020B0604020202020204" pitchFamily="34" charset="0"/>
         <a:buChar char="•"/>
-        <a:defRPr sz="850" kern="1200">
+        <a:defRPr sz="2025" kern="1200">
           <a:solidFill>
             <a:schemeClr val="tx1"/>
           </a:solidFill>
@@ -2818,16 +2818,16 @@
           <a:cs typeface="+mn-cs"/>
         </a:defRPr>
       </a:lvl7pPr>
-      <a:lvl8pPr marL="1619860" indent="-107991" algn="l" defTabSz="431963" rtl="0" eaLnBrk="1" latinLnBrk="0" hangingPunct="1">
+      <a:lvl8pPr marL="3858311" indent="-257221" algn="l" defTabSz="1028883" rtl="0" eaLnBrk="1" latinLnBrk="0" hangingPunct="1">
         <a:lnSpc>
           <a:spcPct val="90000"/>
         </a:lnSpc>
         <a:spcBef>
-          <a:spcPts val="236"/>
+          <a:spcPts val="563"/>
         </a:spcBef>
         <a:buFont typeface="Arial" panose="020B0604020202020204" pitchFamily="34" charset="0"/>
         <a:buChar char="•"/>
-        <a:defRPr sz="850" kern="1200">
+        <a:defRPr sz="2025" kern="1200">
           <a:solidFill>
             <a:schemeClr val="tx1"/>
           </a:solidFill>
@@ -2836,16 +2836,16 @@
           <a:cs typeface="+mn-cs"/>
         </a:defRPr>
       </a:lvl8pPr>
-      <a:lvl9pPr marL="1835841" indent="-107991" algn="l" defTabSz="431963" rtl="0" eaLnBrk="1" latinLnBrk="0" hangingPunct="1">
+      <a:lvl9pPr marL="4372752" indent="-257221" algn="l" defTabSz="1028883" rtl="0" eaLnBrk="1" latinLnBrk="0" hangingPunct="1">
         <a:lnSpc>
           <a:spcPct val="90000"/>
         </a:lnSpc>
         <a:spcBef>
-          <a:spcPts val="236"/>
+          <a:spcPts val="563"/>
         </a:spcBef>
         <a:buFont typeface="Arial" panose="020B0604020202020204" pitchFamily="34" charset="0"/>
         <a:buChar char="•"/>
-        <a:defRPr sz="850" kern="1200">
+        <a:defRPr sz="2025" kern="1200">
           <a:solidFill>
             <a:schemeClr val="tx1"/>
           </a:solidFill>
@@ -2859,8 +2859,8 @@
       <a:defPPr>
         <a:defRPr lang="en-US"/>
       </a:defPPr>
-      <a:lvl1pPr marL="0" algn="l" defTabSz="431963" rtl="0" eaLnBrk="1" latinLnBrk="0" hangingPunct="1">
-        <a:defRPr sz="850" kern="1200">
+      <a:lvl1pPr marL="0" algn="l" defTabSz="1028883" rtl="0" eaLnBrk="1" latinLnBrk="0" hangingPunct="1">
+        <a:defRPr sz="2025" kern="1200">
           <a:solidFill>
             <a:schemeClr val="tx1"/>
           </a:solidFill>
@@ -2869,8 +2869,8 @@
           <a:cs typeface="+mn-cs"/>
         </a:defRPr>
       </a:lvl1pPr>
-      <a:lvl2pPr marL="215981" algn="l" defTabSz="431963" rtl="0" eaLnBrk="1" latinLnBrk="0" hangingPunct="1">
-        <a:defRPr sz="850" kern="1200">
+      <a:lvl2pPr marL="514441" algn="l" defTabSz="1028883" rtl="0" eaLnBrk="1" latinLnBrk="0" hangingPunct="1">
+        <a:defRPr sz="2025" kern="1200">
           <a:solidFill>
             <a:schemeClr val="tx1"/>
           </a:solidFill>
@@ -2879,8 +2879,8 @@
           <a:cs typeface="+mn-cs"/>
         </a:defRPr>
       </a:lvl2pPr>
-      <a:lvl3pPr marL="431963" algn="l" defTabSz="431963" rtl="0" eaLnBrk="1" latinLnBrk="0" hangingPunct="1">
-        <a:defRPr sz="850" kern="1200">
+      <a:lvl3pPr marL="1028883" algn="l" defTabSz="1028883" rtl="0" eaLnBrk="1" latinLnBrk="0" hangingPunct="1">
+        <a:defRPr sz="2025" kern="1200">
           <a:solidFill>
             <a:schemeClr val="tx1"/>
           </a:solidFill>
@@ -2889,8 +2889,8 @@
           <a:cs typeface="+mn-cs"/>
         </a:defRPr>
       </a:lvl3pPr>
-      <a:lvl4pPr marL="647944" algn="l" defTabSz="431963" rtl="0" eaLnBrk="1" latinLnBrk="0" hangingPunct="1">
-        <a:defRPr sz="850" kern="1200">
+      <a:lvl4pPr marL="1543324" algn="l" defTabSz="1028883" rtl="0" eaLnBrk="1" latinLnBrk="0" hangingPunct="1">
+        <a:defRPr sz="2025" kern="1200">
           <a:solidFill>
             <a:schemeClr val="tx1"/>
           </a:solidFill>
@@ -2899,8 +2899,8 @@
           <a:cs typeface="+mn-cs"/>
         </a:defRPr>
       </a:lvl4pPr>
-      <a:lvl5pPr marL="863925" algn="l" defTabSz="431963" rtl="0" eaLnBrk="1" latinLnBrk="0" hangingPunct="1">
-        <a:defRPr sz="850" kern="1200">
+      <a:lvl5pPr marL="2057766" algn="l" defTabSz="1028883" rtl="0" eaLnBrk="1" latinLnBrk="0" hangingPunct="1">
+        <a:defRPr sz="2025" kern="1200">
           <a:solidFill>
             <a:schemeClr val="tx1"/>
           </a:solidFill>
@@ -2909,8 +2909,8 @@
           <a:cs typeface="+mn-cs"/>
         </a:defRPr>
       </a:lvl5pPr>
-      <a:lvl6pPr marL="1079906" algn="l" defTabSz="431963" rtl="0" eaLnBrk="1" latinLnBrk="0" hangingPunct="1">
-        <a:defRPr sz="850" kern="1200">
+      <a:lvl6pPr marL="2572207" algn="l" defTabSz="1028883" rtl="0" eaLnBrk="1" latinLnBrk="0" hangingPunct="1">
+        <a:defRPr sz="2025" kern="1200">
           <a:solidFill>
             <a:schemeClr val="tx1"/>
           </a:solidFill>
@@ -2919,8 +2919,8 @@
           <a:cs typeface="+mn-cs"/>
         </a:defRPr>
       </a:lvl6pPr>
-      <a:lvl7pPr marL="1295888" algn="l" defTabSz="431963" rtl="0" eaLnBrk="1" latinLnBrk="0" hangingPunct="1">
-        <a:defRPr sz="850" kern="1200">
+      <a:lvl7pPr marL="3086649" algn="l" defTabSz="1028883" rtl="0" eaLnBrk="1" latinLnBrk="0" hangingPunct="1">
+        <a:defRPr sz="2025" kern="1200">
           <a:solidFill>
             <a:schemeClr val="tx1"/>
           </a:solidFill>
@@ -2929,8 +2929,8 @@
           <a:cs typeface="+mn-cs"/>
         </a:defRPr>
       </a:lvl7pPr>
-      <a:lvl8pPr marL="1511869" algn="l" defTabSz="431963" rtl="0" eaLnBrk="1" latinLnBrk="0" hangingPunct="1">
-        <a:defRPr sz="850" kern="1200">
+      <a:lvl8pPr marL="3601090" algn="l" defTabSz="1028883" rtl="0" eaLnBrk="1" latinLnBrk="0" hangingPunct="1">
+        <a:defRPr sz="2025" kern="1200">
           <a:solidFill>
             <a:schemeClr val="tx1"/>
           </a:solidFill>
@@ -2939,8 +2939,8 @@
           <a:cs typeface="+mn-cs"/>
         </a:defRPr>
       </a:lvl8pPr>
-      <a:lvl9pPr marL="1727850" algn="l" defTabSz="431963" rtl="0" eaLnBrk="1" latinLnBrk="0" hangingPunct="1">
-        <a:defRPr sz="850" kern="1200">
+      <a:lvl9pPr marL="4115532" algn="l" defTabSz="1028883" rtl="0" eaLnBrk="1" latinLnBrk="0" hangingPunct="1">
+        <a:defRPr sz="2025" kern="1200">
           <a:solidFill>
             <a:schemeClr val="tx1"/>
           </a:solidFill>
@@ -2971,629 +2971,368 @@
           <a:chExt cx="0" cy="0"/>
         </a:xfrm>
       </p:grpSpPr>
-      <p:grpSp>
-        <p:nvGrpSpPr>
-          <p:cNvPr id="5" name="Grupo 4"/>
-          <p:cNvGrpSpPr/>
+      <p:pic>
+        <p:nvPicPr>
+          <p:cNvPr id="4" name="Imagen 3"/>
+          <p:cNvPicPr>
+            <a:picLocks noChangeAspect="1"/>
+          </p:cNvPicPr>
           <p:nvPr/>
-        </p:nvGrpSpPr>
-        <p:grpSpPr>
-          <a:xfrm>
-            <a:off x="30130" y="-8749"/>
-            <a:ext cx="4317882" cy="8646799"/>
-            <a:chOff x="30130" y="-8749"/>
-            <a:chExt cx="4317882" cy="8646799"/>
-          </a:xfrm>
-        </p:grpSpPr>
-        <p:pic>
-          <p:nvPicPr>
-            <p:cNvPr id="4" name="Imagen 3"/>
-            <p:cNvPicPr>
-              <a:picLocks noChangeAspect="1"/>
-            </p:cNvPicPr>
-            <p:nvPr/>
-          </p:nvPicPr>
-          <p:blipFill>
-            <a:blip r:embed="rId2" cstate="print">
-              <a:extLst>
-                <a:ext uri="{28A0092B-C50C-407E-A947-70E740481C1C}">
-                  <a14:useLocalDpi xmlns:a14="http://schemas.microsoft.com/office/drawing/2010/main" val="0"/>
-                </a:ext>
-              </a:extLst>
-            </a:blip>
-            <a:stretch>
-              <a:fillRect/>
-            </a:stretch>
-          </p:blipFill>
-          <p:spPr>
-            <a:xfrm>
-              <a:off x="30130" y="0"/>
-              <a:ext cx="4317882" cy="8638050"/>
-            </a:xfrm>
-            <a:prstGeom prst="rect">
-              <a:avLst/>
-            </a:prstGeom>
-          </p:spPr>
-        </p:pic>
-        <p:sp>
-          <p:nvSpPr>
-            <p:cNvPr id="14" name="CuadroTexto 13"/>
-            <p:cNvSpPr txBox="1"/>
-            <p:nvPr/>
-          </p:nvSpPr>
-          <p:spPr>
-            <a:xfrm>
-              <a:off x="2927808" y="4625617"/>
-              <a:ext cx="569387" cy="400110"/>
-            </a:xfrm>
-            <a:prstGeom prst="rect">
-              <a:avLst/>
-            </a:prstGeom>
-            <a:noFill/>
-          </p:spPr>
-          <p:txBody>
-            <a:bodyPr wrap="none" rtlCol="0">
-              <a:spAutoFit/>
-            </a:bodyPr>
-            <a:lstStyle/>
-            <a:p>
-              <a:r>
-                <a:rPr lang="es-MX" sz="2000" dirty="0" smtClean="0">
-                  <a:latin typeface="Times New Roman" panose="02020603050405020304" pitchFamily="18" charset="0"/>
-                  <a:cs typeface="Times New Roman" panose="02020603050405020304" pitchFamily="18" charset="0"/>
-                </a:rPr>
-                <a:t>***</a:t>
-              </a:r>
-              <a:endParaRPr lang="es-MX" sz="2000" dirty="0">
+        </p:nvPicPr>
+        <p:blipFill>
+          <a:blip r:embed="rId2" cstate="print">
+            <a:extLst>
+              <a:ext uri="{28A0092B-C50C-407E-A947-70E740481C1C}">
+                <a14:useLocalDpi xmlns:a14="http://schemas.microsoft.com/office/drawing/2010/main" val="0"/>
+              </a:ext>
+            </a:extLst>
+          </a:blip>
+          <a:stretch>
+            <a:fillRect/>
+          </a:stretch>
+        </p:blipFill>
+        <p:spPr>
+          <a:xfrm>
+            <a:off x="1588" y="1164243"/>
+            <a:ext cx="10286999" cy="6856790"/>
+          </a:xfrm>
+          <a:prstGeom prst="rect">
+            <a:avLst/>
+          </a:prstGeom>
+        </p:spPr>
+      </p:pic>
+      <p:cxnSp>
+        <p:nvCxnSpPr>
+          <p:cNvPr id="10" name="Conector recto 9"/>
+          <p:cNvCxnSpPr/>
+          <p:nvPr/>
+        </p:nvCxnSpPr>
+        <p:spPr>
+          <a:xfrm>
+            <a:off x="867103" y="464206"/>
+            <a:ext cx="7315200" cy="0"/>
+          </a:xfrm>
+          <a:prstGeom prst="line">
+            <a:avLst/>
+          </a:prstGeom>
+          <a:ln w="57150">
+            <a:solidFill>
+              <a:schemeClr val="tx1"/>
+            </a:solidFill>
+          </a:ln>
+        </p:spPr>
+        <p:style>
+          <a:lnRef idx="1">
+            <a:schemeClr val="accent1"/>
+          </a:lnRef>
+          <a:fillRef idx="0">
+            <a:schemeClr val="accent1"/>
+          </a:fillRef>
+          <a:effectRef idx="0">
+            <a:schemeClr val="accent1"/>
+          </a:effectRef>
+          <a:fontRef idx="minor">
+            <a:schemeClr val="tx1"/>
+          </a:fontRef>
+        </p:style>
+      </p:cxnSp>
+      <p:cxnSp>
+        <p:nvCxnSpPr>
+          <p:cNvPr id="11" name="Conector recto 10"/>
+          <p:cNvCxnSpPr/>
+          <p:nvPr/>
+        </p:nvCxnSpPr>
+        <p:spPr>
+          <a:xfrm>
+            <a:off x="2617351" y="900386"/>
+            <a:ext cx="5564953" cy="0"/>
+          </a:xfrm>
+          <a:prstGeom prst="line">
+            <a:avLst/>
+          </a:prstGeom>
+          <a:ln w="57150">
+            <a:solidFill>
+              <a:schemeClr val="tx1"/>
+            </a:solidFill>
+          </a:ln>
+        </p:spPr>
+        <p:style>
+          <a:lnRef idx="1">
+            <a:schemeClr val="accent1"/>
+          </a:lnRef>
+          <a:fillRef idx="0">
+            <a:schemeClr val="accent1"/>
+          </a:fillRef>
+          <a:effectRef idx="0">
+            <a:schemeClr val="accent1"/>
+          </a:effectRef>
+          <a:fontRef idx="minor">
+            <a:schemeClr val="tx1"/>
+          </a:fontRef>
+        </p:style>
+      </p:cxnSp>
+      <p:cxnSp>
+        <p:nvCxnSpPr>
+          <p:cNvPr id="13" name="Conector recto 12"/>
+          <p:cNvCxnSpPr/>
+          <p:nvPr/>
+        </p:nvCxnSpPr>
+        <p:spPr>
+          <a:xfrm>
+            <a:off x="4508938" y="1336565"/>
+            <a:ext cx="3657600" cy="0"/>
+          </a:xfrm>
+          <a:prstGeom prst="line">
+            <a:avLst/>
+          </a:prstGeom>
+          <a:ln w="57150">
+            <a:solidFill>
+              <a:schemeClr val="tx1"/>
+            </a:solidFill>
+          </a:ln>
+        </p:spPr>
+        <p:style>
+          <a:lnRef idx="1">
+            <a:schemeClr val="accent1"/>
+          </a:lnRef>
+          <a:fillRef idx="0">
+            <a:schemeClr val="accent1"/>
+          </a:fillRef>
+          <a:effectRef idx="0">
+            <a:schemeClr val="accent1"/>
+          </a:effectRef>
+          <a:fontRef idx="minor">
+            <a:schemeClr val="tx1"/>
+          </a:fontRef>
+        </p:style>
+      </p:cxnSp>
+      <p:sp>
+        <p:nvSpPr>
+          <p:cNvPr id="15" name="CuadroTexto 14"/>
+          <p:cNvSpPr txBox="1"/>
+          <p:nvPr/>
+        </p:nvSpPr>
+        <p:spPr>
+          <a:xfrm>
+            <a:off x="4105059" y="-30704"/>
+            <a:ext cx="1031051" cy="769441"/>
+          </a:xfrm>
+          <a:prstGeom prst="rect">
+            <a:avLst/>
+          </a:prstGeom>
+          <a:noFill/>
+        </p:spPr>
+        <p:txBody>
+          <a:bodyPr wrap="none" rtlCol="0">
+            <a:spAutoFit/>
+          </a:bodyPr>
+          <a:lstStyle/>
+          <a:p>
+            <a:r>
+              <a:rPr lang="es-MX" sz="4400" dirty="0">
                 <a:latin typeface="Times New Roman" panose="02020603050405020304" pitchFamily="18" charset="0"/>
                 <a:cs typeface="Times New Roman" panose="02020603050405020304" pitchFamily="18" charset="0"/>
-              </a:endParaRPr>
-            </a:p>
-          </p:txBody>
-        </p:sp>
-        <p:pic>
-          <p:nvPicPr>
-            <p:cNvPr id="22" name="Imagen 21"/>
-            <p:cNvPicPr>
-              <a:picLocks noChangeAspect="1"/>
-            </p:cNvPicPr>
-            <p:nvPr/>
-          </p:nvPicPr>
-          <p:blipFill rotWithShape="1">
-            <a:blip r:embed="rId3" cstate="print">
-              <a:extLst>
-                <a:ext uri="{28A0092B-C50C-407E-A947-70E740481C1C}">
-                  <a14:useLocalDpi xmlns:a14="http://schemas.microsoft.com/office/drawing/2010/main" val="0"/>
-                </a:ext>
-              </a:extLst>
-            </a:blip>
-            <a:srcRect r="55556" b="44750"/>
-            <a:stretch/>
-          </p:blipFill>
-          <p:spPr>
-            <a:xfrm>
-              <a:off x="3462359" y="1514059"/>
-              <a:ext cx="861563" cy="914003"/>
-            </a:xfrm>
-            <a:prstGeom prst="rect">
-              <a:avLst/>
-            </a:prstGeom>
-          </p:spPr>
-        </p:pic>
-        <p:pic>
-          <p:nvPicPr>
-            <p:cNvPr id="28" name="Imagen 27"/>
-            <p:cNvPicPr>
-              <a:picLocks noChangeAspect="1"/>
-            </p:cNvPicPr>
-            <p:nvPr/>
-          </p:nvPicPr>
-          <p:blipFill rotWithShape="1">
-            <a:blip r:embed="rId4" cstate="print">
-              <a:extLst>
-                <a:ext uri="{28A0092B-C50C-407E-A947-70E740481C1C}">
-                  <a14:useLocalDpi xmlns:a14="http://schemas.microsoft.com/office/drawing/2010/main" val="0"/>
-                </a:ext>
-              </a:extLst>
-            </a:blip>
-            <a:srcRect l="58352" t="54885"/>
-            <a:stretch/>
-          </p:blipFill>
-          <p:spPr>
-            <a:xfrm>
-              <a:off x="3540295" y="163987"/>
-              <a:ext cx="784999" cy="725671"/>
-            </a:xfrm>
-            <a:prstGeom prst="rect">
-              <a:avLst/>
-            </a:prstGeom>
-          </p:spPr>
-        </p:pic>
-        <p:pic>
-          <p:nvPicPr>
-            <p:cNvPr id="29" name="Imagen 28"/>
-            <p:cNvPicPr>
-              <a:picLocks noChangeAspect="1"/>
-            </p:cNvPicPr>
-            <p:nvPr/>
-          </p:nvPicPr>
-          <p:blipFill rotWithShape="1">
-            <a:blip r:embed="rId5" cstate="print">
-              <a:extLst>
-                <a:ext uri="{28A0092B-C50C-407E-A947-70E740481C1C}">
-                  <a14:useLocalDpi xmlns:a14="http://schemas.microsoft.com/office/drawing/2010/main" val="0"/>
-                </a:ext>
-              </a:extLst>
-            </a:blip>
-            <a:srcRect l="2944" t="60277" r="50117"/>
-            <a:stretch/>
-          </p:blipFill>
-          <p:spPr>
-            <a:xfrm>
-              <a:off x="3344544" y="2941343"/>
-              <a:ext cx="968632" cy="699526"/>
-            </a:xfrm>
-            <a:prstGeom prst="rect">
-              <a:avLst/>
-            </a:prstGeom>
-          </p:spPr>
-        </p:pic>
-        <p:pic>
-          <p:nvPicPr>
-            <p:cNvPr id="30" name="Imagen 29"/>
-            <p:cNvPicPr>
-              <a:picLocks noChangeAspect="1"/>
-            </p:cNvPicPr>
-            <p:nvPr/>
-          </p:nvPicPr>
-          <p:blipFill rotWithShape="1">
-            <a:blip r:embed="rId6" cstate="print">
-              <a:extLst>
-                <a:ext uri="{28A0092B-C50C-407E-A947-70E740481C1C}">
-                  <a14:useLocalDpi xmlns:a14="http://schemas.microsoft.com/office/drawing/2010/main" val="0"/>
-                </a:ext>
-              </a:extLst>
-            </a:blip>
-            <a:srcRect l="47905" t="1466" r="3498" b="57335"/>
-            <a:stretch/>
-          </p:blipFill>
-          <p:spPr>
-            <a:xfrm>
-              <a:off x="3488486" y="5862027"/>
-              <a:ext cx="789121" cy="570917"/>
-            </a:xfrm>
-            <a:prstGeom prst="rect">
-              <a:avLst/>
-            </a:prstGeom>
-          </p:spPr>
-        </p:pic>
-        <p:grpSp>
-          <p:nvGrpSpPr>
-            <p:cNvPr id="17" name="Grupo 16"/>
-            <p:cNvGrpSpPr/>
-            <p:nvPr/>
-          </p:nvGrpSpPr>
-          <p:grpSpPr>
-            <a:xfrm>
-              <a:off x="889688" y="4537162"/>
-              <a:ext cx="3281716" cy="188417"/>
-              <a:chOff x="889688" y="4545871"/>
-              <a:chExt cx="3281716" cy="188417"/>
-            </a:xfrm>
-          </p:grpSpPr>
-          <p:sp>
-            <p:nvSpPr>
-              <p:cNvPr id="2" name="Abrir llave 1"/>
-              <p:cNvSpPr/>
-              <p:nvPr/>
-            </p:nvSpPr>
-            <p:spPr>
-              <a:xfrm rot="5400000">
-                <a:off x="2468901" y="2966658"/>
-                <a:ext cx="123289" cy="3281715"/>
-              </a:xfrm>
-              <a:prstGeom prst="leftBrace">
-                <a:avLst>
-                  <a:gd name="adj1" fmla="val 8333"/>
-                  <a:gd name="adj2" fmla="val 29248"/>
-                </a:avLst>
-              </a:prstGeom>
-              <a:ln w="19050">
-                <a:solidFill>
-                  <a:schemeClr val="tx1">
-                    <a:lumMod val="95000"/>
-                    <a:lumOff val="5000"/>
-                  </a:schemeClr>
-                </a:solidFill>
-              </a:ln>
-            </p:spPr>
-            <p:style>
-              <a:lnRef idx="1">
-                <a:schemeClr val="accent1"/>
-              </a:lnRef>
-              <a:fillRef idx="0">
-                <a:schemeClr val="accent1"/>
-              </a:fillRef>
-              <a:effectRef idx="0">
-                <a:schemeClr val="accent1"/>
-              </a:effectRef>
-              <a:fontRef idx="minor">
-                <a:schemeClr val="tx1"/>
-              </a:fontRef>
-            </p:style>
-            <p:txBody>
-              <a:bodyPr rtlCol="0" anchor="ctr"/>
-              <a:lstStyle/>
-              <a:p>
-                <a:pPr algn="ctr"/>
-                <a:endParaRPr lang="es-MX"/>
-              </a:p>
-            </p:txBody>
-          </p:sp>
-          <p:sp>
-            <p:nvSpPr>
-              <p:cNvPr id="31" name="Abrir llave 30"/>
-              <p:cNvSpPr/>
-              <p:nvPr/>
-            </p:nvSpPr>
-            <p:spPr>
-              <a:xfrm rot="5400000">
-                <a:off x="2734278" y="3264350"/>
-                <a:ext cx="110693" cy="2763555"/>
-              </a:xfrm>
-              <a:prstGeom prst="leftBrace">
-                <a:avLst>
-                  <a:gd name="adj1" fmla="val 8333"/>
-                  <a:gd name="adj2" fmla="val 34621"/>
-                </a:avLst>
-              </a:prstGeom>
-              <a:ln w="19050">
-                <a:solidFill>
-                  <a:schemeClr val="tx1">
-                    <a:lumMod val="95000"/>
-                    <a:lumOff val="5000"/>
-                  </a:schemeClr>
-                </a:solidFill>
-              </a:ln>
-            </p:spPr>
-            <p:style>
-              <a:lnRef idx="1">
-                <a:schemeClr val="accent1"/>
-              </a:lnRef>
-              <a:fillRef idx="0">
-                <a:schemeClr val="accent1"/>
-              </a:fillRef>
-              <a:effectRef idx="0">
-                <a:schemeClr val="accent1"/>
-              </a:effectRef>
-              <a:fontRef idx="minor">
-                <a:schemeClr val="tx1"/>
-              </a:fontRef>
-            </p:style>
-            <p:txBody>
-              <a:bodyPr rtlCol="0" anchor="ctr"/>
-              <a:lstStyle/>
-              <a:p>
-                <a:pPr algn="ctr"/>
-                <a:endParaRPr lang="es-MX"/>
-              </a:p>
-            </p:txBody>
-          </p:sp>
-          <p:sp>
-            <p:nvSpPr>
-              <p:cNvPr id="32" name="Abrir llave 31"/>
-              <p:cNvSpPr/>
-              <p:nvPr/>
-            </p:nvSpPr>
-            <p:spPr>
-              <a:xfrm rot="5400000">
-                <a:off x="3003079" y="3565964"/>
-                <a:ext cx="91253" cy="2245396"/>
-              </a:xfrm>
-              <a:prstGeom prst="leftBrace">
-                <a:avLst>
-                  <a:gd name="adj1" fmla="val 8333"/>
-                  <a:gd name="adj2" fmla="val 42475"/>
-                </a:avLst>
-              </a:prstGeom>
-              <a:ln w="19050">
-                <a:solidFill>
-                  <a:schemeClr val="tx1">
-                    <a:lumMod val="95000"/>
-                    <a:lumOff val="5000"/>
-                  </a:schemeClr>
-                </a:solidFill>
-              </a:ln>
-            </p:spPr>
-            <p:style>
-              <a:lnRef idx="1">
-                <a:schemeClr val="accent1"/>
-              </a:lnRef>
-              <a:fillRef idx="0">
-                <a:schemeClr val="accent1"/>
-              </a:fillRef>
-              <a:effectRef idx="0">
-                <a:schemeClr val="accent1"/>
-              </a:effectRef>
-              <a:fontRef idx="minor">
-                <a:schemeClr val="tx1"/>
-              </a:fontRef>
-            </p:style>
-            <p:txBody>
-              <a:bodyPr rtlCol="0" anchor="ctr"/>
-              <a:lstStyle/>
-              <a:p>
-                <a:pPr algn="ctr"/>
-                <a:endParaRPr lang="es-MX"/>
-              </a:p>
-            </p:txBody>
-          </p:sp>
-        </p:grpSp>
-        <p:sp>
-          <p:nvSpPr>
-            <p:cNvPr id="37" name="Abrir llave 36"/>
-            <p:cNvSpPr/>
-            <p:nvPr/>
-          </p:nvSpPr>
-          <p:spPr>
-            <a:xfrm rot="5400000">
-              <a:off x="2202151" y="-1148475"/>
-              <a:ext cx="138628" cy="2763555"/>
-            </a:xfrm>
-            <a:prstGeom prst="leftBrace">
-              <a:avLst>
-                <a:gd name="adj1" fmla="val 8333"/>
-                <a:gd name="adj2" fmla="val 49432"/>
-              </a:avLst>
-            </a:prstGeom>
-            <a:ln w="19050">
-              <a:solidFill>
-                <a:schemeClr val="tx1">
-                  <a:lumMod val="95000"/>
-                  <a:lumOff val="5000"/>
-                </a:schemeClr>
-              </a:solidFill>
-            </a:ln>
-          </p:spPr>
-          <p:style>
-            <a:lnRef idx="1">
-              <a:schemeClr val="accent1"/>
-            </a:lnRef>
-            <a:fillRef idx="0">
-              <a:schemeClr val="accent1"/>
-            </a:fillRef>
-            <a:effectRef idx="0">
-              <a:schemeClr val="accent1"/>
-            </a:effectRef>
-            <a:fontRef idx="minor">
-              <a:schemeClr val="tx1"/>
-            </a:fontRef>
-          </p:style>
-          <p:txBody>
-            <a:bodyPr rtlCol="0" anchor="ctr"/>
-            <a:lstStyle/>
-            <a:p>
-              <a:pPr algn="ctr"/>
-              <a:endParaRPr lang="es-MX"/>
-            </a:p>
-          </p:txBody>
-        </p:sp>
-        <p:sp>
-          <p:nvSpPr>
-            <p:cNvPr id="38" name="CuadroTexto 37"/>
-            <p:cNvSpPr txBox="1"/>
-            <p:nvPr/>
-          </p:nvSpPr>
-          <p:spPr>
-            <a:xfrm>
-              <a:off x="1995480" y="163457"/>
-              <a:ext cx="569387" cy="400110"/>
-            </a:xfrm>
-            <a:prstGeom prst="rect">
-              <a:avLst/>
-            </a:prstGeom>
-            <a:noFill/>
-          </p:spPr>
-          <p:txBody>
-            <a:bodyPr wrap="none" rtlCol="0">
-              <a:spAutoFit/>
-            </a:bodyPr>
-            <a:lstStyle/>
-            <a:p>
-              <a:r>
-                <a:rPr lang="es-MX" sz="2000" dirty="0" smtClean="0">
-                  <a:latin typeface="Times New Roman" panose="02020603050405020304" pitchFamily="18" charset="0"/>
-                  <a:cs typeface="Times New Roman" panose="02020603050405020304" pitchFamily="18" charset="0"/>
-                </a:rPr>
-                <a:t>***</a:t>
-              </a:r>
-              <a:endParaRPr lang="es-MX" sz="2000" dirty="0">
+              </a:rPr>
+              <a:t>***</a:t>
+            </a:r>
+            <a:endParaRPr lang="es-MX" sz="1400" dirty="0">
+              <a:latin typeface="Times New Roman" panose="02020603050405020304" pitchFamily="18" charset="0"/>
+              <a:cs typeface="Times New Roman" panose="02020603050405020304" pitchFamily="18" charset="0"/>
+            </a:endParaRPr>
+          </a:p>
+        </p:txBody>
+      </p:sp>
+      <p:sp>
+        <p:nvSpPr>
+          <p:cNvPr id="16" name="CuadroTexto 15"/>
+          <p:cNvSpPr txBox="1"/>
+          <p:nvPr/>
+        </p:nvSpPr>
+        <p:spPr>
+          <a:xfrm>
+            <a:off x="5168873" y="401314"/>
+            <a:ext cx="466794" cy="769441"/>
+          </a:xfrm>
+          <a:prstGeom prst="rect">
+            <a:avLst/>
+          </a:prstGeom>
+          <a:noFill/>
+        </p:spPr>
+        <p:txBody>
+          <a:bodyPr wrap="none" rtlCol="0">
+            <a:spAutoFit/>
+          </a:bodyPr>
+          <a:lstStyle/>
+          <a:p>
+            <a:r>
+              <a:rPr lang="es-MX" sz="4400" dirty="0">
                 <a:latin typeface="Times New Roman" panose="02020603050405020304" pitchFamily="18" charset="0"/>
                 <a:cs typeface="Times New Roman" panose="02020603050405020304" pitchFamily="18" charset="0"/>
-              </a:endParaRPr>
-            </a:p>
-          </p:txBody>
-        </p:sp>
-        <p:sp>
-          <p:nvSpPr>
-            <p:cNvPr id="3" name="CuadroTexto 2"/>
-            <p:cNvSpPr txBox="1"/>
-            <p:nvPr/>
-          </p:nvSpPr>
-          <p:spPr>
-            <a:xfrm>
-              <a:off x="724958" y="-8749"/>
-              <a:ext cx="298480" cy="280846"/>
-            </a:xfrm>
-            <a:prstGeom prst="rect">
-              <a:avLst/>
-            </a:prstGeom>
-            <a:noFill/>
-          </p:spPr>
-          <p:txBody>
-            <a:bodyPr wrap="none" rtlCol="0">
-              <a:spAutoFit/>
-            </a:bodyPr>
-            <a:lstStyle/>
-            <a:p>
-              <a:r>
-                <a:rPr lang="es-MX" b="1" dirty="0" smtClean="0">
-                  <a:latin typeface="Times New Roman" panose="02020603050405020304" pitchFamily="18" charset="0"/>
-                  <a:cs typeface="Times New Roman" panose="02020603050405020304" pitchFamily="18" charset="0"/>
-                </a:rPr>
-                <a:t>A</a:t>
-              </a:r>
-              <a:endParaRPr lang="es-MX" b="1" dirty="0">
+              </a:rPr>
+              <a:t>*</a:t>
+            </a:r>
+            <a:endParaRPr lang="es-MX" sz="1400" dirty="0">
+              <a:latin typeface="Times New Roman" panose="02020603050405020304" pitchFamily="18" charset="0"/>
+              <a:cs typeface="Times New Roman" panose="02020603050405020304" pitchFamily="18" charset="0"/>
+            </a:endParaRPr>
+          </a:p>
+        </p:txBody>
+      </p:sp>
+      <p:sp>
+        <p:nvSpPr>
+          <p:cNvPr id="17" name="CuadroTexto 16"/>
+          <p:cNvSpPr txBox="1"/>
+          <p:nvPr/>
+        </p:nvSpPr>
+        <p:spPr>
+          <a:xfrm>
+            <a:off x="5877934" y="811974"/>
+            <a:ext cx="1031051" cy="769441"/>
+          </a:xfrm>
+          <a:prstGeom prst="rect">
+            <a:avLst/>
+          </a:prstGeom>
+          <a:noFill/>
+        </p:spPr>
+        <p:txBody>
+          <a:bodyPr wrap="none" rtlCol="0">
+            <a:spAutoFit/>
+          </a:bodyPr>
+          <a:lstStyle/>
+          <a:p>
+            <a:r>
+              <a:rPr lang="es-MX" sz="4400" dirty="0">
                 <a:latin typeface="Times New Roman" panose="02020603050405020304" pitchFamily="18" charset="0"/>
                 <a:cs typeface="Times New Roman" panose="02020603050405020304" pitchFamily="18" charset="0"/>
-              </a:endParaRPr>
-            </a:p>
-          </p:txBody>
-        </p:sp>
-        <p:sp>
-          <p:nvSpPr>
-            <p:cNvPr id="15" name="CuadroTexto 14"/>
-            <p:cNvSpPr txBox="1"/>
-            <p:nvPr/>
-          </p:nvSpPr>
-          <p:spPr>
-            <a:xfrm>
-              <a:off x="724958" y="1429771"/>
-              <a:ext cx="298480" cy="280846"/>
-            </a:xfrm>
-            <a:prstGeom prst="rect">
-              <a:avLst/>
-            </a:prstGeom>
-            <a:noFill/>
-          </p:spPr>
-          <p:txBody>
-            <a:bodyPr wrap="none" rtlCol="0">
-              <a:spAutoFit/>
-            </a:bodyPr>
-            <a:lstStyle/>
-            <a:p>
-              <a:r>
-                <a:rPr lang="es-MX" b="1" dirty="0" smtClean="0">
-                  <a:latin typeface="Times New Roman" panose="02020603050405020304" pitchFamily="18" charset="0"/>
-                  <a:cs typeface="Times New Roman" panose="02020603050405020304" pitchFamily="18" charset="0"/>
-                </a:rPr>
-                <a:t>B</a:t>
-              </a:r>
-              <a:endParaRPr lang="es-MX" b="1" dirty="0">
-                <a:latin typeface="Times New Roman" panose="02020603050405020304" pitchFamily="18" charset="0"/>
-                <a:cs typeface="Times New Roman" panose="02020603050405020304" pitchFamily="18" charset="0"/>
-              </a:endParaRPr>
-            </a:p>
-          </p:txBody>
-        </p:sp>
-        <p:sp>
-          <p:nvSpPr>
-            <p:cNvPr id="16" name="CuadroTexto 15"/>
-            <p:cNvSpPr txBox="1"/>
-            <p:nvPr/>
-          </p:nvSpPr>
-          <p:spPr>
-            <a:xfrm>
-              <a:off x="724958" y="2890892"/>
-              <a:ext cx="298480" cy="280846"/>
-            </a:xfrm>
-            <a:prstGeom prst="rect">
-              <a:avLst/>
-            </a:prstGeom>
-            <a:noFill/>
-          </p:spPr>
-          <p:txBody>
-            <a:bodyPr wrap="none" rtlCol="0">
-              <a:spAutoFit/>
-            </a:bodyPr>
-            <a:lstStyle/>
-            <a:p>
-              <a:r>
-                <a:rPr lang="es-MX" b="1" dirty="0">
-                  <a:latin typeface="Times New Roman" panose="02020603050405020304" pitchFamily="18" charset="0"/>
-                  <a:cs typeface="Times New Roman" panose="02020603050405020304" pitchFamily="18" charset="0"/>
-                </a:rPr>
-                <a:t>C</a:t>
-              </a:r>
-            </a:p>
-          </p:txBody>
-        </p:sp>
-        <p:sp>
-          <p:nvSpPr>
-            <p:cNvPr id="18" name="CuadroTexto 17"/>
-            <p:cNvSpPr txBox="1"/>
-            <p:nvPr/>
-          </p:nvSpPr>
-          <p:spPr>
-            <a:xfrm>
-              <a:off x="728498" y="4329832"/>
-              <a:ext cx="298480" cy="280846"/>
-            </a:xfrm>
-            <a:prstGeom prst="rect">
-              <a:avLst/>
-            </a:prstGeom>
-            <a:noFill/>
-          </p:spPr>
-          <p:txBody>
-            <a:bodyPr wrap="none" rtlCol="0">
-              <a:spAutoFit/>
-            </a:bodyPr>
-            <a:lstStyle/>
-            <a:p>
-              <a:r>
-                <a:rPr lang="es-MX" b="1" dirty="0" smtClean="0">
-                  <a:latin typeface="Times New Roman" panose="02020603050405020304" pitchFamily="18" charset="0"/>
-                  <a:cs typeface="Times New Roman" panose="02020603050405020304" pitchFamily="18" charset="0"/>
-                </a:rPr>
-                <a:t>D</a:t>
-              </a:r>
-              <a:endParaRPr lang="es-MX" b="1" dirty="0">
-                <a:latin typeface="Times New Roman" panose="02020603050405020304" pitchFamily="18" charset="0"/>
-                <a:cs typeface="Times New Roman" panose="02020603050405020304" pitchFamily="18" charset="0"/>
-              </a:endParaRPr>
-            </a:p>
-          </p:txBody>
-        </p:sp>
-        <p:sp>
-          <p:nvSpPr>
-            <p:cNvPr id="19" name="CuadroTexto 18"/>
-            <p:cNvSpPr txBox="1"/>
-            <p:nvPr/>
-          </p:nvSpPr>
-          <p:spPr>
-            <a:xfrm>
-              <a:off x="732039" y="5779406"/>
-              <a:ext cx="288862" cy="280846"/>
-            </a:xfrm>
-            <a:prstGeom prst="rect">
-              <a:avLst/>
-            </a:prstGeom>
-            <a:noFill/>
-          </p:spPr>
-          <p:txBody>
-            <a:bodyPr wrap="none" rtlCol="0">
-              <a:spAutoFit/>
-            </a:bodyPr>
-            <a:lstStyle/>
-            <a:p>
-              <a:r>
-                <a:rPr lang="es-MX" b="1" dirty="0" smtClean="0">
-                  <a:latin typeface="Times New Roman" panose="02020603050405020304" pitchFamily="18" charset="0"/>
-                  <a:cs typeface="Times New Roman" panose="02020603050405020304" pitchFamily="18" charset="0"/>
-                </a:rPr>
-                <a:t>E</a:t>
-              </a:r>
-              <a:endParaRPr lang="es-MX" b="1" dirty="0">
-                <a:latin typeface="Times New Roman" panose="02020603050405020304" pitchFamily="18" charset="0"/>
-                <a:cs typeface="Times New Roman" panose="02020603050405020304" pitchFamily="18" charset="0"/>
-              </a:endParaRPr>
-            </a:p>
-          </p:txBody>
-        </p:sp>
-      </p:grpSp>
+              </a:rPr>
+              <a:t>***</a:t>
+            </a:r>
+            <a:endParaRPr lang="es-MX" sz="1400" dirty="0">
+              <a:latin typeface="Times New Roman" panose="02020603050405020304" pitchFamily="18" charset="0"/>
+              <a:cs typeface="Times New Roman" panose="02020603050405020304" pitchFamily="18" charset="0"/>
+            </a:endParaRPr>
+          </a:p>
+        </p:txBody>
+      </p:sp>
       <p:pic>
         <p:nvPicPr>
-          <p:cNvPr id="6" name="Imagen 5"/>
+          <p:cNvPr id="3" name="Imagen 2"/>
+          <p:cNvPicPr>
+            <a:picLocks noChangeAspect="1"/>
+          </p:cNvPicPr>
+          <p:nvPr/>
+        </p:nvPicPr>
+        <p:blipFill rotWithShape="1">
+          <a:blip r:embed="rId3" cstate="print">
+            <a:extLst>
+              <a:ext uri="{28A0092B-C50C-407E-A947-70E740481C1C}">
+                <a14:useLocalDpi xmlns:a14="http://schemas.microsoft.com/office/drawing/2010/main" val="0"/>
+              </a:ext>
+            </a:extLst>
+          </a:blip>
+          <a:srcRect l="47744" t="4662" r="2400" b="56286"/>
+          <a:stretch/>
+        </p:blipFill>
+        <p:spPr>
+          <a:xfrm>
+            <a:off x="8406063" y="7762573"/>
+            <a:ext cx="1658838" cy="1108800"/>
+          </a:xfrm>
+          <a:prstGeom prst="rect">
+            <a:avLst/>
+          </a:prstGeom>
+        </p:spPr>
+      </p:pic>
+      <p:pic>
+        <p:nvPicPr>
+          <p:cNvPr id="12" name="Imagen 11"/>
+          <p:cNvPicPr>
+            <a:picLocks noChangeAspect="1"/>
+          </p:cNvPicPr>
+          <p:nvPr/>
+        </p:nvPicPr>
+        <p:blipFill rotWithShape="1">
+          <a:blip r:embed="rId4" cstate="print">
+            <a:extLst>
+              <a:ext uri="{28A0092B-C50C-407E-A947-70E740481C1C}">
+                <a14:useLocalDpi xmlns:a14="http://schemas.microsoft.com/office/drawing/2010/main" val="0"/>
+              </a:ext>
+            </a:extLst>
+          </a:blip>
+          <a:srcRect t="57304" r="49247"/>
+          <a:stretch/>
+        </p:blipFill>
+        <p:spPr>
+          <a:xfrm>
+            <a:off x="4748463" y="7847228"/>
+            <a:ext cx="1661038" cy="1192491"/>
+          </a:xfrm>
+          <a:prstGeom prst="rect">
+            <a:avLst/>
+          </a:prstGeom>
+        </p:spPr>
+      </p:pic>
+      <p:pic>
+        <p:nvPicPr>
+          <p:cNvPr id="14" name="Imagen 13"/>
+          <p:cNvPicPr>
+            <a:picLocks noChangeAspect="1"/>
+          </p:cNvPicPr>
+          <p:nvPr/>
+        </p:nvPicPr>
+        <p:blipFill rotWithShape="1">
+          <a:blip r:embed="rId5" cstate="print">
+            <a:extLst>
+              <a:ext uri="{28A0092B-C50C-407E-A947-70E740481C1C}">
+                <a14:useLocalDpi xmlns:a14="http://schemas.microsoft.com/office/drawing/2010/main" val="0"/>
+              </a:ext>
+            </a:extLst>
+          </a:blip>
+          <a:srcRect l="7492" r="61712" b="44856"/>
+          <a:stretch/>
+        </p:blipFill>
+        <p:spPr>
+          <a:xfrm>
+            <a:off x="3476802" y="7889710"/>
+            <a:ext cx="725616" cy="1108800"/>
+          </a:xfrm>
+          <a:prstGeom prst="rect">
+            <a:avLst/>
+          </a:prstGeom>
+        </p:spPr>
+      </p:pic>
+      <p:pic>
+        <p:nvPicPr>
+          <p:cNvPr id="18" name="Imagen 17"/>
+          <p:cNvPicPr>
+            <a:picLocks noChangeAspect="1"/>
+          </p:cNvPicPr>
+          <p:nvPr/>
+        </p:nvPicPr>
+        <p:blipFill rotWithShape="1">
+          <a:blip r:embed="rId6" cstate="print">
+            <a:extLst>
+              <a:ext uri="{28A0092B-C50C-407E-A947-70E740481C1C}">
+                <a14:useLocalDpi xmlns:a14="http://schemas.microsoft.com/office/drawing/2010/main" val="0"/>
+              </a:ext>
+            </a:extLst>
+          </a:blip>
+          <a:srcRect l="57056" t="53769"/>
+          <a:stretch/>
+        </p:blipFill>
+        <p:spPr>
+          <a:xfrm>
+            <a:off x="1469463" y="7889710"/>
+            <a:ext cx="1208046" cy="1109828"/>
+          </a:xfrm>
+          <a:prstGeom prst="rect">
+            <a:avLst/>
+          </a:prstGeom>
+        </p:spPr>
+      </p:pic>
+      <p:pic>
+        <p:nvPicPr>
+          <p:cNvPr id="2" name="Imagen 1"/>
           <p:cNvPicPr>
             <a:picLocks noChangeAspect="1"/>
           </p:cNvPicPr>
@@ -3613,18 +3352,543 @@
         </p:blipFill>
         <p:spPr>
           <a:xfrm>
-            <a:off x="2684382" y="4818108"/>
-            <a:ext cx="1056238" cy="914400"/>
+            <a:off x="6767385" y="7828940"/>
+            <a:ext cx="1280793" cy="1108800"/>
           </a:xfrm>
           <a:prstGeom prst="rect">
             <a:avLst/>
           </a:prstGeom>
         </p:spPr>
       </p:pic>
+      <p:cxnSp>
+        <p:nvCxnSpPr>
+          <p:cNvPr id="20" name="Conector recto 19"/>
+          <p:cNvCxnSpPr/>
+          <p:nvPr/>
+        </p:nvCxnSpPr>
+        <p:spPr>
+          <a:xfrm>
+            <a:off x="1545663" y="6429375"/>
+            <a:ext cx="1080000" cy="0"/>
+          </a:xfrm>
+          <a:prstGeom prst="line">
+            <a:avLst/>
+          </a:prstGeom>
+          <a:ln w="28575">
+            <a:solidFill>
+              <a:srgbClr val="FF0000"/>
+            </a:solidFill>
+          </a:ln>
+        </p:spPr>
+        <p:style>
+          <a:lnRef idx="1">
+            <a:schemeClr val="accent1"/>
+          </a:lnRef>
+          <a:fillRef idx="0">
+            <a:schemeClr val="accent1"/>
+          </a:fillRef>
+          <a:effectRef idx="0">
+            <a:schemeClr val="accent1"/>
+          </a:effectRef>
+          <a:fontRef idx="minor">
+            <a:schemeClr val="tx1"/>
+          </a:fontRef>
+        </p:style>
+      </p:cxnSp>
+      <p:cxnSp>
+        <p:nvCxnSpPr>
+          <p:cNvPr id="21" name="Conector recto 20"/>
+          <p:cNvCxnSpPr/>
+          <p:nvPr/>
+        </p:nvCxnSpPr>
+        <p:spPr>
+          <a:xfrm>
+            <a:off x="3241113" y="5762625"/>
+            <a:ext cx="1224000" cy="0"/>
+          </a:xfrm>
+          <a:prstGeom prst="line">
+            <a:avLst/>
+          </a:prstGeom>
+          <a:ln w="28575">
+            <a:solidFill>
+              <a:srgbClr val="FF0000"/>
+            </a:solidFill>
+          </a:ln>
+        </p:spPr>
+        <p:style>
+          <a:lnRef idx="1">
+            <a:schemeClr val="accent1"/>
+          </a:lnRef>
+          <a:fillRef idx="0">
+            <a:schemeClr val="accent1"/>
+          </a:fillRef>
+          <a:effectRef idx="0">
+            <a:schemeClr val="accent1"/>
+          </a:effectRef>
+          <a:fontRef idx="minor">
+            <a:schemeClr val="tx1"/>
+          </a:fontRef>
+        </p:style>
+      </p:cxnSp>
+      <p:cxnSp>
+        <p:nvCxnSpPr>
+          <p:cNvPr id="22" name="Conector recto 21"/>
+          <p:cNvCxnSpPr/>
+          <p:nvPr/>
+        </p:nvCxnSpPr>
+        <p:spPr>
+          <a:xfrm>
+            <a:off x="5050863" y="6410325"/>
+            <a:ext cx="1152000" cy="0"/>
+          </a:xfrm>
+          <a:prstGeom prst="line">
+            <a:avLst/>
+          </a:prstGeom>
+          <a:ln w="28575">
+            <a:solidFill>
+              <a:srgbClr val="FF0000"/>
+            </a:solidFill>
+          </a:ln>
+        </p:spPr>
+        <p:style>
+          <a:lnRef idx="1">
+            <a:schemeClr val="accent1"/>
+          </a:lnRef>
+          <a:fillRef idx="0">
+            <a:schemeClr val="accent1"/>
+          </a:fillRef>
+          <a:effectRef idx="0">
+            <a:schemeClr val="accent1"/>
+          </a:effectRef>
+          <a:fontRef idx="minor">
+            <a:schemeClr val="tx1"/>
+          </a:fontRef>
+        </p:style>
+      </p:cxnSp>
+      <p:cxnSp>
+        <p:nvCxnSpPr>
+          <p:cNvPr id="23" name="Conector recto 22"/>
+          <p:cNvCxnSpPr/>
+          <p:nvPr/>
+        </p:nvCxnSpPr>
+        <p:spPr>
+          <a:xfrm>
+            <a:off x="6755838" y="3867150"/>
+            <a:ext cx="1260000" cy="0"/>
+          </a:xfrm>
+          <a:prstGeom prst="line">
+            <a:avLst/>
+          </a:prstGeom>
+          <a:ln w="28575">
+            <a:solidFill>
+              <a:srgbClr val="FF0000"/>
+            </a:solidFill>
+          </a:ln>
+        </p:spPr>
+        <p:style>
+          <a:lnRef idx="1">
+            <a:schemeClr val="accent1"/>
+          </a:lnRef>
+          <a:fillRef idx="0">
+            <a:schemeClr val="accent1"/>
+          </a:fillRef>
+          <a:effectRef idx="0">
+            <a:schemeClr val="accent1"/>
+          </a:effectRef>
+          <a:fontRef idx="minor">
+            <a:schemeClr val="tx1"/>
+          </a:fontRef>
+        </p:style>
+      </p:cxnSp>
+      <p:cxnSp>
+        <p:nvCxnSpPr>
+          <p:cNvPr id="24" name="Conector recto 23"/>
+          <p:cNvCxnSpPr/>
+          <p:nvPr/>
+        </p:nvCxnSpPr>
+        <p:spPr>
+          <a:xfrm>
+            <a:off x="8603688" y="5686425"/>
+            <a:ext cx="1080000" cy="0"/>
+          </a:xfrm>
+          <a:prstGeom prst="line">
+            <a:avLst/>
+          </a:prstGeom>
+          <a:ln w="28575">
+            <a:solidFill>
+              <a:srgbClr val="FF0000"/>
+            </a:solidFill>
+          </a:ln>
+        </p:spPr>
+        <p:style>
+          <a:lnRef idx="1">
+            <a:schemeClr val="accent1"/>
+          </a:lnRef>
+          <a:fillRef idx="0">
+            <a:schemeClr val="accent1"/>
+          </a:fillRef>
+          <a:effectRef idx="0">
+            <a:schemeClr val="accent1"/>
+          </a:effectRef>
+          <a:fontRef idx="minor">
+            <a:schemeClr val="tx1"/>
+          </a:fontRef>
+        </p:style>
+      </p:cxnSp>
+      <p:cxnSp>
+        <p:nvCxnSpPr>
+          <p:cNvPr id="25" name="Conector recto 24"/>
+          <p:cNvCxnSpPr/>
+          <p:nvPr/>
+        </p:nvCxnSpPr>
+        <p:spPr>
+          <a:xfrm>
+            <a:off x="1869513" y="5276850"/>
+            <a:ext cx="396000" cy="0"/>
+          </a:xfrm>
+          <a:prstGeom prst="line">
+            <a:avLst/>
+          </a:prstGeom>
+          <a:ln w="28575">
+            <a:solidFill>
+              <a:schemeClr val="tx1"/>
+            </a:solidFill>
+          </a:ln>
+        </p:spPr>
+        <p:style>
+          <a:lnRef idx="1">
+            <a:schemeClr val="accent1"/>
+          </a:lnRef>
+          <a:fillRef idx="0">
+            <a:schemeClr val="accent1"/>
+          </a:fillRef>
+          <a:effectRef idx="0">
+            <a:schemeClr val="accent1"/>
+          </a:effectRef>
+          <a:fontRef idx="minor">
+            <a:schemeClr val="tx1"/>
+          </a:fontRef>
+        </p:style>
+      </p:cxnSp>
+      <p:cxnSp>
+        <p:nvCxnSpPr>
+          <p:cNvPr id="26" name="Conector recto 25"/>
+          <p:cNvCxnSpPr/>
+          <p:nvPr/>
+        </p:nvCxnSpPr>
+        <p:spPr>
+          <a:xfrm>
+            <a:off x="1545663" y="7581900"/>
+            <a:ext cx="1080000" cy="0"/>
+          </a:xfrm>
+          <a:prstGeom prst="line">
+            <a:avLst/>
+          </a:prstGeom>
+          <a:ln w="28575">
+            <a:solidFill>
+              <a:schemeClr val="tx1"/>
+            </a:solidFill>
+          </a:ln>
+        </p:spPr>
+        <p:style>
+          <a:lnRef idx="1">
+            <a:schemeClr val="accent1"/>
+          </a:lnRef>
+          <a:fillRef idx="0">
+            <a:schemeClr val="accent1"/>
+          </a:fillRef>
+          <a:effectRef idx="0">
+            <a:schemeClr val="accent1"/>
+          </a:effectRef>
+          <a:fontRef idx="minor">
+            <a:schemeClr val="tx1"/>
+          </a:fontRef>
+        </p:style>
+      </p:cxnSp>
+      <p:cxnSp>
+        <p:nvCxnSpPr>
+          <p:cNvPr id="30" name="Conector recto 29"/>
+          <p:cNvCxnSpPr/>
+          <p:nvPr/>
+        </p:nvCxnSpPr>
+        <p:spPr>
+          <a:xfrm>
+            <a:off x="3507813" y="4371975"/>
+            <a:ext cx="648000" cy="0"/>
+          </a:xfrm>
+          <a:prstGeom prst="line">
+            <a:avLst/>
+          </a:prstGeom>
+          <a:ln w="28575">
+            <a:solidFill>
+              <a:schemeClr val="tx1"/>
+            </a:solidFill>
+          </a:ln>
+        </p:spPr>
+        <p:style>
+          <a:lnRef idx="1">
+            <a:schemeClr val="accent1"/>
+          </a:lnRef>
+          <a:fillRef idx="0">
+            <a:schemeClr val="accent1"/>
+          </a:fillRef>
+          <a:effectRef idx="0">
+            <a:schemeClr val="accent1"/>
+          </a:effectRef>
+          <a:fontRef idx="minor">
+            <a:schemeClr val="tx1"/>
+          </a:fontRef>
+        </p:style>
+      </p:cxnSp>
+      <p:cxnSp>
+        <p:nvCxnSpPr>
+          <p:cNvPr id="31" name="Conector recto 30"/>
+          <p:cNvCxnSpPr/>
+          <p:nvPr/>
+        </p:nvCxnSpPr>
+        <p:spPr>
+          <a:xfrm>
+            <a:off x="3269688" y="7134225"/>
+            <a:ext cx="1188000" cy="0"/>
+          </a:xfrm>
+          <a:prstGeom prst="line">
+            <a:avLst/>
+          </a:prstGeom>
+          <a:ln w="28575">
+            <a:solidFill>
+              <a:schemeClr val="tx1"/>
+            </a:solidFill>
+          </a:ln>
+        </p:spPr>
+        <p:style>
+          <a:lnRef idx="1">
+            <a:schemeClr val="accent1"/>
+          </a:lnRef>
+          <a:fillRef idx="0">
+            <a:schemeClr val="accent1"/>
+          </a:fillRef>
+          <a:effectRef idx="0">
+            <a:schemeClr val="accent1"/>
+          </a:effectRef>
+          <a:fontRef idx="minor">
+            <a:schemeClr val="tx1"/>
+          </a:fontRef>
+        </p:style>
+      </p:cxnSp>
+      <p:cxnSp>
+        <p:nvCxnSpPr>
+          <p:cNvPr id="32" name="Conector recto 31"/>
+          <p:cNvCxnSpPr/>
+          <p:nvPr/>
+        </p:nvCxnSpPr>
+        <p:spPr>
+          <a:xfrm>
+            <a:off x="5146113" y="5629275"/>
+            <a:ext cx="936000" cy="0"/>
+          </a:xfrm>
+          <a:prstGeom prst="line">
+            <a:avLst/>
+          </a:prstGeom>
+          <a:ln w="28575">
+            <a:solidFill>
+              <a:schemeClr val="tx1"/>
+            </a:solidFill>
+          </a:ln>
+        </p:spPr>
+        <p:style>
+          <a:lnRef idx="1">
+            <a:schemeClr val="accent1"/>
+          </a:lnRef>
+          <a:fillRef idx="0">
+            <a:schemeClr val="accent1"/>
+          </a:fillRef>
+          <a:effectRef idx="0">
+            <a:schemeClr val="accent1"/>
+          </a:effectRef>
+          <a:fontRef idx="minor">
+            <a:schemeClr val="tx1"/>
+          </a:fontRef>
+        </p:style>
+      </p:cxnSp>
+      <p:cxnSp>
+        <p:nvCxnSpPr>
+          <p:cNvPr id="33" name="Conector recto 32"/>
+          <p:cNvCxnSpPr/>
+          <p:nvPr/>
+        </p:nvCxnSpPr>
+        <p:spPr>
+          <a:xfrm>
+            <a:off x="4879413" y="7172325"/>
+            <a:ext cx="1476000" cy="0"/>
+          </a:xfrm>
+          <a:prstGeom prst="line">
+            <a:avLst/>
+          </a:prstGeom>
+          <a:ln w="28575">
+            <a:solidFill>
+              <a:schemeClr val="tx1"/>
+            </a:solidFill>
+          </a:ln>
+        </p:spPr>
+        <p:style>
+          <a:lnRef idx="1">
+            <a:schemeClr val="accent1"/>
+          </a:lnRef>
+          <a:fillRef idx="0">
+            <a:schemeClr val="accent1"/>
+          </a:fillRef>
+          <a:effectRef idx="0">
+            <a:schemeClr val="accent1"/>
+          </a:effectRef>
+          <a:fontRef idx="minor">
+            <a:schemeClr val="tx1"/>
+          </a:fontRef>
+        </p:style>
+      </p:cxnSp>
+      <p:cxnSp>
+        <p:nvCxnSpPr>
+          <p:cNvPr id="34" name="Conector recto 33"/>
+          <p:cNvCxnSpPr/>
+          <p:nvPr/>
+        </p:nvCxnSpPr>
+        <p:spPr>
+          <a:xfrm>
+            <a:off x="6851088" y="1962150"/>
+            <a:ext cx="1044000" cy="0"/>
+          </a:xfrm>
+          <a:prstGeom prst="line">
+            <a:avLst/>
+          </a:prstGeom>
+          <a:ln w="28575">
+            <a:solidFill>
+              <a:schemeClr val="tx1"/>
+            </a:solidFill>
+          </a:ln>
+        </p:spPr>
+        <p:style>
+          <a:lnRef idx="1">
+            <a:schemeClr val="accent1"/>
+          </a:lnRef>
+          <a:fillRef idx="0">
+            <a:schemeClr val="accent1"/>
+          </a:fillRef>
+          <a:effectRef idx="0">
+            <a:schemeClr val="accent1"/>
+          </a:effectRef>
+          <a:fontRef idx="minor">
+            <a:schemeClr val="tx1"/>
+          </a:fontRef>
+        </p:style>
+      </p:cxnSp>
+      <p:cxnSp>
+        <p:nvCxnSpPr>
+          <p:cNvPr id="35" name="Conector recto 34"/>
+          <p:cNvCxnSpPr/>
+          <p:nvPr/>
+        </p:nvCxnSpPr>
+        <p:spPr>
+          <a:xfrm>
+            <a:off x="7184463" y="5772150"/>
+            <a:ext cx="396000" cy="0"/>
+          </a:xfrm>
+          <a:prstGeom prst="line">
+            <a:avLst/>
+          </a:prstGeom>
+          <a:ln w="28575">
+            <a:solidFill>
+              <a:schemeClr val="tx1"/>
+            </a:solidFill>
+          </a:ln>
+        </p:spPr>
+        <p:style>
+          <a:lnRef idx="1">
+            <a:schemeClr val="accent1"/>
+          </a:lnRef>
+          <a:fillRef idx="0">
+            <a:schemeClr val="accent1"/>
+          </a:fillRef>
+          <a:effectRef idx="0">
+            <a:schemeClr val="accent1"/>
+          </a:effectRef>
+          <a:fontRef idx="minor">
+            <a:schemeClr val="tx1"/>
+          </a:fontRef>
+        </p:style>
+      </p:cxnSp>
+      <p:cxnSp>
+        <p:nvCxnSpPr>
+          <p:cNvPr id="36" name="Conector recto 35"/>
+          <p:cNvCxnSpPr/>
+          <p:nvPr/>
+        </p:nvCxnSpPr>
+        <p:spPr>
+          <a:xfrm>
+            <a:off x="8832288" y="3781425"/>
+            <a:ext cx="612000" cy="0"/>
+          </a:xfrm>
+          <a:prstGeom prst="line">
+            <a:avLst/>
+          </a:prstGeom>
+          <a:ln w="28575">
+            <a:solidFill>
+              <a:schemeClr val="tx1"/>
+            </a:solidFill>
+          </a:ln>
+        </p:spPr>
+        <p:style>
+          <a:lnRef idx="1">
+            <a:schemeClr val="accent1"/>
+          </a:lnRef>
+          <a:fillRef idx="0">
+            <a:schemeClr val="accent1"/>
+          </a:fillRef>
+          <a:effectRef idx="0">
+            <a:schemeClr val="accent1"/>
+          </a:effectRef>
+          <a:fontRef idx="minor">
+            <a:schemeClr val="tx1"/>
+          </a:fontRef>
+        </p:style>
+      </p:cxnSp>
+      <p:cxnSp>
+        <p:nvCxnSpPr>
+          <p:cNvPr id="37" name="Conector recto 36"/>
+          <p:cNvCxnSpPr/>
+          <p:nvPr/>
+        </p:nvCxnSpPr>
+        <p:spPr>
+          <a:xfrm>
+            <a:off x="8460813" y="7515225"/>
+            <a:ext cx="1404000" cy="0"/>
+          </a:xfrm>
+          <a:prstGeom prst="line">
+            <a:avLst/>
+          </a:prstGeom>
+          <a:ln w="28575">
+            <a:solidFill>
+              <a:schemeClr val="tx1"/>
+            </a:solidFill>
+          </a:ln>
+        </p:spPr>
+        <p:style>
+          <a:lnRef idx="1">
+            <a:schemeClr val="accent1"/>
+          </a:lnRef>
+          <a:fillRef idx="0">
+            <a:schemeClr val="accent1"/>
+          </a:fillRef>
+          <a:effectRef idx="0">
+            <a:schemeClr val="accent1"/>
+          </a:effectRef>
+          <a:fontRef idx="minor">
+            <a:schemeClr val="tx1"/>
+          </a:fontRef>
+        </p:style>
+      </p:cxnSp>
     </p:spTree>
     <p:extLst>
       <p:ext uri="{BB962C8B-B14F-4D97-AF65-F5344CB8AC3E}">
-        <p14:creationId xmlns:p14="http://schemas.microsoft.com/office/powerpoint/2010/main" val="2008004255"/>
+        <p14:creationId xmlns:p14="http://schemas.microsoft.com/office/powerpoint/2010/main" val="3241262161"/>
       </p:ext>
     </p:extLst>
   </p:cSld>
